--- a/流程介紹.pptx
+++ b/流程介紹.pptx
@@ -220,7 +220,7 @@
           <a:p>
             <a:fld id="{59041DB8-B66F-4DC8-A96E-33677E0F90FF}" type="datetimeFigureOut">
               <a:rPr lang="en-US" altLang="zh-TW" smtClean="0"/>
-              <a:t>5/2/2019</a:t>
+              <a:t>5/2/19</a:t>
             </a:fld>
             <a:endParaRPr lang="zh-TW"/>
           </a:p>
@@ -2608,7 +2608,7 @@
           </a:lstStyle>
           <a:p>
             <a:r>
-              <a:rPr lang="zh-TW" altLang="en-US" smtClean="0"/>
+              <a:rPr lang="zh-TW" altLang="en-US"/>
               <a:t>按一下以編輯母片標題樣式</a:t>
             </a:r>
             <a:endParaRPr lang="zh-TW" dirty="0"/>
@@ -2682,7 +2682,7 @@
           </a:lstStyle>
           <a:p>
             <a:r>
-              <a:rPr lang="zh-TW" altLang="en-US" smtClean="0"/>
+              <a:rPr lang="zh-TW" altLang="en-US"/>
               <a:t>按一下以編輯母片副標題樣式</a:t>
             </a:r>
             <a:endParaRPr lang="zh-TW" dirty="0"/>
@@ -2778,7 +2778,7 @@
           <a:lstStyle/>
           <a:p>
             <a:r>
-              <a:rPr lang="zh-TW" altLang="en-US" smtClean="0"/>
+              <a:rPr lang="zh-TW" altLang="en-US"/>
               <a:t>按一下以編輯母片標題樣式</a:t>
             </a:r>
             <a:endParaRPr lang="zh-TW"/>
@@ -2802,35 +2802,35 @@
           <a:p>
             <a:pPr lvl="0"/>
             <a:r>
-              <a:rPr lang="zh-TW" altLang="en-US" smtClean="0"/>
+              <a:rPr lang="zh-TW" altLang="en-US"/>
               <a:t>按一下以編輯母片文字樣式</a:t>
             </a:r>
           </a:p>
           <a:p>
             <a:pPr lvl="1"/>
             <a:r>
-              <a:rPr lang="zh-TW" altLang="en-US" smtClean="0"/>
+              <a:rPr lang="zh-TW" altLang="en-US"/>
               <a:t>第二層</a:t>
             </a:r>
           </a:p>
           <a:p>
             <a:pPr lvl="2"/>
             <a:r>
-              <a:rPr lang="zh-TW" altLang="en-US" smtClean="0"/>
+              <a:rPr lang="zh-TW" altLang="en-US"/>
               <a:t>第三層</a:t>
             </a:r>
           </a:p>
           <a:p>
             <a:pPr lvl="3"/>
             <a:r>
-              <a:rPr lang="zh-TW" altLang="en-US" smtClean="0"/>
+              <a:rPr lang="zh-TW" altLang="en-US"/>
               <a:t>第四層</a:t>
             </a:r>
           </a:p>
           <a:p>
             <a:pPr lvl="4"/>
             <a:r>
-              <a:rPr lang="zh-TW" altLang="en-US" smtClean="0"/>
+              <a:rPr lang="zh-TW" altLang="en-US"/>
               <a:t>第五層</a:t>
             </a:r>
             <a:endParaRPr lang="zh-TW"/>
@@ -2963,7 +2963,7 @@
           <a:lstStyle/>
           <a:p>
             <a:r>
-              <a:rPr lang="zh-TW" altLang="en-US" smtClean="0"/>
+              <a:rPr lang="zh-TW" altLang="en-US"/>
               <a:t>按一下以編輯母片標題樣式</a:t>
             </a:r>
             <a:endParaRPr lang="zh-TW"/>
@@ -2992,35 +2992,35 @@
           <a:p>
             <a:pPr lvl="0"/>
             <a:r>
-              <a:rPr lang="zh-TW" altLang="en-US" smtClean="0"/>
+              <a:rPr lang="zh-TW" altLang="en-US"/>
               <a:t>按一下以編輯母片文字樣式</a:t>
             </a:r>
           </a:p>
           <a:p>
             <a:pPr lvl="1"/>
             <a:r>
-              <a:rPr lang="zh-TW" altLang="en-US" smtClean="0"/>
+              <a:rPr lang="zh-TW" altLang="en-US"/>
               <a:t>第二層</a:t>
             </a:r>
           </a:p>
           <a:p>
             <a:pPr lvl="2"/>
             <a:r>
-              <a:rPr lang="zh-TW" altLang="en-US" smtClean="0"/>
+              <a:rPr lang="zh-TW" altLang="en-US"/>
               <a:t>第三層</a:t>
             </a:r>
           </a:p>
           <a:p>
             <a:pPr lvl="3"/>
             <a:r>
-              <a:rPr lang="zh-TW" altLang="en-US" smtClean="0"/>
+              <a:rPr lang="zh-TW" altLang="en-US"/>
               <a:t>第四層</a:t>
             </a:r>
           </a:p>
           <a:p>
             <a:pPr lvl="4"/>
             <a:r>
-              <a:rPr lang="zh-TW" altLang="en-US" smtClean="0"/>
+              <a:rPr lang="zh-TW" altLang="en-US"/>
               <a:t>第五層</a:t>
             </a:r>
             <a:endParaRPr lang="zh-TW"/>
@@ -3148,7 +3148,7 @@
           <a:lstStyle/>
           <a:p>
             <a:r>
-              <a:rPr lang="zh-TW" altLang="en-US" smtClean="0"/>
+              <a:rPr lang="zh-TW" altLang="en-US"/>
               <a:t>按一下以編輯母片標題樣式</a:t>
             </a:r>
             <a:endParaRPr lang="zh-TW" dirty="0"/>
@@ -3172,35 +3172,35 @@
           <a:p>
             <a:pPr lvl="0"/>
             <a:r>
-              <a:rPr lang="zh-TW" altLang="en-US" smtClean="0"/>
+              <a:rPr lang="zh-TW" altLang="en-US"/>
               <a:t>按一下以編輯母片文字樣式</a:t>
             </a:r>
           </a:p>
           <a:p>
             <a:pPr lvl="1"/>
             <a:r>
-              <a:rPr lang="zh-TW" altLang="en-US" smtClean="0"/>
+              <a:rPr lang="zh-TW" altLang="en-US"/>
               <a:t>第二層</a:t>
             </a:r>
           </a:p>
           <a:p>
             <a:pPr lvl="2"/>
             <a:r>
-              <a:rPr lang="zh-TW" altLang="en-US" smtClean="0"/>
+              <a:rPr lang="zh-TW" altLang="en-US"/>
               <a:t>第三層</a:t>
             </a:r>
           </a:p>
           <a:p>
             <a:pPr lvl="3"/>
             <a:r>
-              <a:rPr lang="zh-TW" altLang="en-US" smtClean="0"/>
+              <a:rPr lang="zh-TW" altLang="en-US"/>
               <a:t>第四層</a:t>
             </a:r>
           </a:p>
           <a:p>
             <a:pPr lvl="4"/>
             <a:r>
-              <a:rPr lang="zh-TW" altLang="en-US" smtClean="0"/>
+              <a:rPr lang="zh-TW" altLang="en-US"/>
               <a:t>第五層</a:t>
             </a:r>
             <a:endParaRPr lang="zh-TW" dirty="0"/>
@@ -5190,7 +5190,7 @@
           </a:lstStyle>
           <a:p>
             <a:r>
-              <a:rPr lang="zh-TW" altLang="en-US" smtClean="0"/>
+              <a:rPr lang="zh-TW" altLang="en-US"/>
               <a:t>按一下以編輯母片標題樣式</a:t>
             </a:r>
             <a:endParaRPr lang="zh-TW" dirty="0"/>
@@ -5265,7 +5265,7 @@
           <a:p>
             <a:pPr lvl="0"/>
             <a:r>
-              <a:rPr lang="zh-TW" altLang="en-US" smtClean="0"/>
+              <a:rPr lang="zh-TW" altLang="en-US"/>
               <a:t>按一下以編輯母片文字樣式</a:t>
             </a:r>
           </a:p>
@@ -5364,7 +5364,7 @@
           <a:lstStyle/>
           <a:p>
             <a:r>
-              <a:rPr lang="zh-TW" altLang="en-US" smtClean="0"/>
+              <a:rPr lang="zh-TW" altLang="en-US"/>
               <a:t>按一下以編輯母片標題樣式</a:t>
             </a:r>
             <a:endParaRPr lang="zh-TW" dirty="0"/>
@@ -5423,35 +5423,35 @@
           <a:p>
             <a:pPr lvl="0"/>
             <a:r>
-              <a:rPr lang="zh-TW" altLang="en-US" smtClean="0"/>
+              <a:rPr lang="zh-TW" altLang="en-US"/>
               <a:t>按一下以編輯母片文字樣式</a:t>
             </a:r>
           </a:p>
           <a:p>
             <a:pPr lvl="1"/>
             <a:r>
-              <a:rPr lang="zh-TW" altLang="en-US" smtClean="0"/>
+              <a:rPr lang="zh-TW" altLang="en-US"/>
               <a:t>第二層</a:t>
             </a:r>
           </a:p>
           <a:p>
             <a:pPr lvl="2"/>
             <a:r>
-              <a:rPr lang="zh-TW" altLang="en-US" smtClean="0"/>
+              <a:rPr lang="zh-TW" altLang="en-US"/>
               <a:t>第三層</a:t>
             </a:r>
           </a:p>
           <a:p>
             <a:pPr lvl="3"/>
             <a:r>
-              <a:rPr lang="zh-TW" altLang="en-US" smtClean="0"/>
+              <a:rPr lang="zh-TW" altLang="en-US"/>
               <a:t>第四層</a:t>
             </a:r>
           </a:p>
           <a:p>
             <a:pPr lvl="4"/>
             <a:r>
-              <a:rPr lang="zh-TW" altLang="en-US" smtClean="0"/>
+              <a:rPr lang="zh-TW" altLang="en-US"/>
               <a:t>第五層</a:t>
             </a:r>
             <a:endParaRPr lang="zh-TW" dirty="0"/>
@@ -5510,35 +5510,35 @@
           <a:p>
             <a:pPr lvl="0"/>
             <a:r>
-              <a:rPr lang="zh-TW" altLang="en-US" smtClean="0"/>
+              <a:rPr lang="zh-TW" altLang="en-US"/>
               <a:t>按一下以編輯母片文字樣式</a:t>
             </a:r>
           </a:p>
           <a:p>
             <a:pPr lvl="1"/>
             <a:r>
-              <a:rPr lang="zh-TW" altLang="en-US" smtClean="0"/>
+              <a:rPr lang="zh-TW" altLang="en-US"/>
               <a:t>第二層</a:t>
             </a:r>
           </a:p>
           <a:p>
             <a:pPr lvl="2"/>
             <a:r>
-              <a:rPr lang="zh-TW" altLang="en-US" smtClean="0"/>
+              <a:rPr lang="zh-TW" altLang="en-US"/>
               <a:t>第三層</a:t>
             </a:r>
           </a:p>
           <a:p>
             <a:pPr lvl="3"/>
             <a:r>
-              <a:rPr lang="zh-TW" altLang="en-US" smtClean="0"/>
+              <a:rPr lang="zh-TW" altLang="en-US"/>
               <a:t>第四層</a:t>
             </a:r>
           </a:p>
           <a:p>
             <a:pPr lvl="4"/>
             <a:r>
-              <a:rPr lang="zh-TW" altLang="en-US" smtClean="0"/>
+              <a:rPr lang="zh-TW" altLang="en-US"/>
               <a:t>第五層</a:t>
             </a:r>
             <a:endParaRPr lang="zh-TW"/>
@@ -5666,7 +5666,7 @@
           <a:lstStyle/>
           <a:p>
             <a:r>
-              <a:rPr lang="zh-TW" altLang="en-US" smtClean="0"/>
+              <a:rPr lang="zh-TW" altLang="en-US"/>
               <a:t>按一下以編輯母片標題樣式</a:t>
             </a:r>
             <a:endParaRPr lang="zh-TW"/>
@@ -5741,7 +5741,7 @@
           <a:p>
             <a:pPr lvl="0"/>
             <a:r>
-              <a:rPr lang="zh-TW" altLang="en-US" smtClean="0"/>
+              <a:rPr lang="zh-TW" altLang="en-US"/>
               <a:t>按一下以編輯母片文字樣式</a:t>
             </a:r>
           </a:p>
@@ -5799,35 +5799,35 @@
           <a:p>
             <a:pPr lvl="0"/>
             <a:r>
-              <a:rPr lang="zh-TW" altLang="en-US" smtClean="0"/>
+              <a:rPr lang="zh-TW" altLang="en-US"/>
               <a:t>按一下以編輯母片文字樣式</a:t>
             </a:r>
           </a:p>
           <a:p>
             <a:pPr lvl="1"/>
             <a:r>
-              <a:rPr lang="zh-TW" altLang="en-US" smtClean="0"/>
+              <a:rPr lang="zh-TW" altLang="en-US"/>
               <a:t>第二層</a:t>
             </a:r>
           </a:p>
           <a:p>
             <a:pPr lvl="2"/>
             <a:r>
-              <a:rPr lang="zh-TW" altLang="en-US" smtClean="0"/>
+              <a:rPr lang="zh-TW" altLang="en-US"/>
               <a:t>第三層</a:t>
             </a:r>
           </a:p>
           <a:p>
             <a:pPr lvl="3"/>
             <a:r>
-              <a:rPr lang="zh-TW" altLang="en-US" smtClean="0"/>
+              <a:rPr lang="zh-TW" altLang="en-US"/>
               <a:t>第四層</a:t>
             </a:r>
           </a:p>
           <a:p>
             <a:pPr lvl="4"/>
             <a:r>
-              <a:rPr lang="zh-TW" altLang="en-US" smtClean="0"/>
+              <a:rPr lang="zh-TW" altLang="en-US"/>
               <a:t>第五層</a:t>
             </a:r>
             <a:endParaRPr lang="zh-TW"/>
@@ -5902,7 +5902,7 @@
           <a:p>
             <a:pPr lvl="0"/>
             <a:r>
-              <a:rPr lang="zh-TW" altLang="en-US" smtClean="0"/>
+              <a:rPr lang="zh-TW" altLang="en-US"/>
               <a:t>按一下以編輯母片文字樣式</a:t>
             </a:r>
           </a:p>
@@ -5960,35 +5960,35 @@
           <a:p>
             <a:pPr lvl="0"/>
             <a:r>
-              <a:rPr lang="zh-TW" altLang="en-US" smtClean="0"/>
+              <a:rPr lang="zh-TW" altLang="en-US"/>
               <a:t>按一下以編輯母片文字樣式</a:t>
             </a:r>
           </a:p>
           <a:p>
             <a:pPr lvl="1"/>
             <a:r>
-              <a:rPr lang="zh-TW" altLang="en-US" smtClean="0"/>
+              <a:rPr lang="zh-TW" altLang="en-US"/>
               <a:t>第二層</a:t>
             </a:r>
           </a:p>
           <a:p>
             <a:pPr lvl="2"/>
             <a:r>
-              <a:rPr lang="zh-TW" altLang="en-US" smtClean="0"/>
+              <a:rPr lang="zh-TW" altLang="en-US"/>
               <a:t>第三層</a:t>
             </a:r>
           </a:p>
           <a:p>
             <a:pPr lvl="3"/>
             <a:r>
-              <a:rPr lang="zh-TW" altLang="en-US" smtClean="0"/>
+              <a:rPr lang="zh-TW" altLang="en-US"/>
               <a:t>第四層</a:t>
             </a:r>
           </a:p>
           <a:p>
             <a:pPr lvl="4"/>
             <a:r>
-              <a:rPr lang="zh-TW" altLang="en-US" smtClean="0"/>
+              <a:rPr lang="zh-TW" altLang="en-US"/>
               <a:t>第五層</a:t>
             </a:r>
             <a:endParaRPr lang="zh-TW"/>
@@ -6116,7 +6116,7 @@
           <a:lstStyle/>
           <a:p>
             <a:r>
-              <a:rPr lang="zh-TW" altLang="en-US" smtClean="0"/>
+              <a:rPr lang="zh-TW" altLang="en-US"/>
               <a:t>按一下以編輯母片標題樣式</a:t>
             </a:r>
             <a:endParaRPr lang="zh-TW"/>
@@ -10093,7 +10093,7 @@
           </a:lstStyle>
           <a:p>
             <a:r>
-              <a:rPr lang="zh-TW" altLang="en-US" smtClean="0"/>
+              <a:rPr lang="zh-TW" altLang="en-US"/>
               <a:t>按一下以編輯母片標題樣式</a:t>
             </a:r>
             <a:endParaRPr lang="zh-TW" dirty="0"/>
@@ -10152,35 +10152,35 @@
           <a:p>
             <a:pPr lvl="0"/>
             <a:r>
-              <a:rPr lang="zh-TW" altLang="en-US" smtClean="0"/>
+              <a:rPr lang="zh-TW" altLang="en-US"/>
               <a:t>按一下以編輯母片文字樣式</a:t>
             </a:r>
           </a:p>
           <a:p>
             <a:pPr lvl="1"/>
             <a:r>
-              <a:rPr lang="zh-TW" altLang="en-US" smtClean="0"/>
+              <a:rPr lang="zh-TW" altLang="en-US"/>
               <a:t>第二層</a:t>
             </a:r>
           </a:p>
           <a:p>
             <a:pPr lvl="2"/>
             <a:r>
-              <a:rPr lang="zh-TW" altLang="en-US" smtClean="0"/>
+              <a:rPr lang="zh-TW" altLang="en-US"/>
               <a:t>第三層</a:t>
             </a:r>
           </a:p>
           <a:p>
             <a:pPr lvl="3"/>
             <a:r>
-              <a:rPr lang="zh-TW" altLang="en-US" smtClean="0"/>
+              <a:rPr lang="zh-TW" altLang="en-US"/>
               <a:t>第四層</a:t>
             </a:r>
           </a:p>
           <a:p>
             <a:pPr lvl="4"/>
             <a:r>
-              <a:rPr lang="zh-TW" altLang="en-US" smtClean="0"/>
+              <a:rPr lang="zh-TW" altLang="en-US"/>
               <a:t>第五層</a:t>
             </a:r>
             <a:endParaRPr lang="zh-TW"/>
@@ -10255,7 +10255,7 @@
           <a:p>
             <a:pPr lvl="0"/>
             <a:r>
-              <a:rPr lang="zh-TW" altLang="en-US" smtClean="0"/>
+              <a:rPr lang="zh-TW" altLang="en-US"/>
               <a:t>按一下以編輯母片文字樣式</a:t>
             </a:r>
           </a:p>
@@ -12367,7 +12367,7 @@
           </a:lstStyle>
           <a:p>
             <a:r>
-              <a:rPr lang="zh-TW" altLang="en-US" smtClean="0"/>
+              <a:rPr lang="zh-TW" altLang="en-US"/>
               <a:t>按一下圖示以新增圖片</a:t>
             </a:r>
             <a:endParaRPr lang="zh-TW" dirty="0"/>
@@ -12440,7 +12440,7 @@
           </a:lstStyle>
           <a:p>
             <a:r>
-              <a:rPr lang="zh-TW" altLang="en-US" smtClean="0"/>
+              <a:rPr lang="zh-TW" altLang="en-US"/>
               <a:t>按一下以編輯母片標題樣式</a:t>
             </a:r>
             <a:endParaRPr lang="zh-TW"/>
@@ -12513,7 +12513,7 @@
           <a:p>
             <a:pPr lvl="0"/>
             <a:r>
-              <a:rPr lang="zh-TW" altLang="en-US" smtClean="0"/>
+              <a:rPr lang="zh-TW" altLang="en-US"/>
               <a:t>按一下以編輯母片文字樣式</a:t>
             </a:r>
           </a:p>
@@ -14541,7 +14541,7 @@
             <a:fld id="{B51B2453-8663-4C69-AF73-9FD7B1DEC5D0}" type="datetime1">
               <a:rPr lang="en-US" altLang="zh-TW" smtClean="0"/>
               <a:pPr/>
-              <a:t>5/2/2019</a:t>
+              <a:t>5/2/19</a:t>
             </a:fld>
             <a:endParaRPr lang="en-US" altLang="en-US"/>
           </a:p>
@@ -15068,15 +15068,7 @@
           <a:p>
             <a:r>
               <a:rPr lang="zh-TW" altLang="en-US" sz="7200" dirty="0"/>
-              <a:t>期末</a:t>
-            </a:r>
-            <a:r>
-              <a:rPr lang="zh-TW" altLang="en-US" sz="7200" dirty="0" smtClean="0"/>
-              <a:t>報告</a:t>
-            </a:r>
-            <a:r>
-              <a:rPr lang="zh-TW" altLang="en-US" sz="7200" dirty="0"/>
-              <a:t>分析流程提案</a:t>
+              <a:t>期末報告分析流程提案</a:t>
             </a:r>
             <a:endParaRPr lang="zh-TW" sz="7200" dirty="0"/>
           </a:p>
@@ -15104,13 +15096,6 @@
       </p:transition>
     </mc:Fallback>
   </mc:AlternateContent>
-  <p:timing>
-    <p:tnLst>
-      <p:par>
-        <p:cTn id="1" dur="indefinite" restart="never" nodeType="tmRoot"/>
-      </p:par>
-    </p:tnLst>
-  </p:timing>
 </p:sld>
 </file>
 
@@ -15147,15 +15132,11 @@
           <a:lstStyle/>
           <a:p>
             <a:r>
-              <a:rPr lang="zh-TW" altLang="en-US" dirty="0" smtClean="0"/>
-              <a:t>資料收集</a:t>
+              <a:rPr lang="zh-TW" altLang="en-US" dirty="0"/>
+              <a:t>資料收集流程 </a:t>
             </a:r>
             <a:r>
-              <a:rPr lang="zh-TW" altLang="en-US" dirty="0" smtClean="0"/>
-              <a:t>流程 </a:t>
-            </a:r>
-            <a:r>
-              <a:rPr lang="en-US" altLang="zh-TW" dirty="0" smtClean="0"/>
+              <a:rPr lang="en-US" altLang="zh-TW" dirty="0"/>
               <a:t>-1/2</a:t>
             </a:r>
             <a:endParaRPr lang="zh-TW" dirty="0"/>
@@ -15178,47 +15159,29 @@
           <a:lstStyle/>
           <a:p>
             <a:r>
-              <a:rPr lang="zh-TW" altLang="en-US" dirty="0" smtClean="0"/>
-              <a:t>所有台灣境內</a:t>
+              <a:rPr lang="zh-TW" altLang="en-US" dirty="0"/>
+              <a:t>所有台灣境內與境外基金淨值與其基本資料</a:t>
+            </a:r>
+            <a:r>
+              <a:rPr lang="en-US" altLang="zh-TW" dirty="0"/>
+              <a:t>(</a:t>
             </a:r>
             <a:r>
               <a:rPr lang="zh-TW" altLang="en-US" dirty="0"/>
-              <a:t>與境外</a:t>
-            </a:r>
-            <a:r>
-              <a:rPr lang="zh-TW" altLang="en-US" dirty="0" smtClean="0"/>
-              <a:t>基金淨值與其基本資料</a:t>
-            </a:r>
-            <a:r>
-              <a:rPr lang="en-US" altLang="zh-TW" dirty="0" smtClean="0"/>
-              <a:t>(</a:t>
-            </a:r>
-            <a:r>
-              <a:rPr lang="zh-TW" altLang="en-US" dirty="0" smtClean="0"/>
               <a:t>來源</a:t>
             </a:r>
             <a:r>
-              <a:rPr lang="en-US" altLang="zh-TW" dirty="0" smtClean="0"/>
+              <a:rPr lang="en-US" altLang="zh-TW" dirty="0"/>
               <a:t>:yahoo)</a:t>
             </a:r>
             <a:br>
-              <a:rPr lang="en-US" altLang="zh-TW" dirty="0" smtClean="0"/>
+              <a:rPr lang="en-US" altLang="zh-TW" dirty="0"/>
             </a:br>
             <a:r>
               <a:rPr lang="en-US" altLang="zh-TW" sz="1800" u="sng" dirty="0">
                 <a:hlinkClick r:id="rId3"/>
               </a:rPr>
-              <a:t>https://</a:t>
-            </a:r>
-            <a:r>
-              <a:rPr lang="en-US" altLang="zh-TW" sz="1800" u="sng" dirty="0" smtClean="0">
-                <a:hlinkClick r:id="rId3"/>
-              </a:rPr>
-              <a:t>tw.money.yahoo.com/fund/domestic</a:t>
-            </a:r>
-            <a:r>
-              <a:rPr lang="en-US" altLang="zh-TW" sz="1800" u="sng" dirty="0"/>
-              <a:t/>
+              <a:t>https://tw.money.yahoo.com/fund/domestic</a:t>
             </a:r>
             <a:br>
               <a:rPr lang="en-US" altLang="zh-TW" sz="1800" u="sng" dirty="0"/>
@@ -15227,128 +15190,70 @@
               <a:rPr lang="en-US" altLang="zh-TW" sz="1800" u="sng" dirty="0">
                 <a:hlinkClick r:id="rId4"/>
               </a:rPr>
-              <a:t>https://</a:t>
+              <a:t>https://tw.money.yahoo.com/fund/offshore</a:t>
             </a:r>
-            <a:r>
-              <a:rPr lang="en-US" altLang="zh-TW" sz="1800" u="sng" dirty="0" smtClean="0">
-                <a:hlinkClick r:id="rId4"/>
-              </a:rPr>
-              <a:t>tw.money.yahoo.com/fund/offshore</a:t>
-            </a:r>
-            <a:endParaRPr lang="en-US" altLang="zh-TW" sz="1800" u="sng" dirty="0" smtClean="0"/>
+            <a:endParaRPr lang="en-US" altLang="zh-TW" sz="1800" u="sng" dirty="0"/>
           </a:p>
           <a:p>
             <a:r>
               <a:rPr lang="zh-TW" altLang="en-US" dirty="0"/>
-              <a:t>基金的</a:t>
+              <a:t>基金的首頁爬取方法</a:t>
             </a:r>
             <a:r>
-              <a:rPr lang="zh-TW" altLang="en-US" dirty="0" smtClean="0"/>
-              <a:t>首頁爬取方法</a:t>
-            </a:r>
-            <a:r>
-              <a:rPr lang="en-US" altLang="zh-TW" dirty="0" smtClean="0"/>
+              <a:rPr lang="en-US" altLang="zh-TW" dirty="0"/>
               <a:t>:</a:t>
             </a:r>
             <a:r>
               <a:rPr lang="zh-TW" altLang="en-US" dirty="0"/>
-              <a:t>直接</a:t>
+              <a:t>直接用</a:t>
             </a:r>
             <a:r>
-              <a:rPr lang="zh-TW" altLang="en-US" dirty="0" smtClean="0"/>
-              <a:t>用</a:t>
-            </a:r>
-            <a:r>
-              <a:rPr lang="en-US" altLang="zh-TW" dirty="0" err="1" smtClean="0"/>
+              <a:rPr lang="en-US" altLang="zh-TW" dirty="0" err="1"/>
               <a:t>BeautifulSoup</a:t>
             </a:r>
             <a:r>
               <a:rPr lang="zh-TW" altLang="en-US" dirty="0"/>
-              <a:t>來</a:t>
+              <a:t>來取得所有基金的首頁</a:t>
             </a:r>
-            <a:r>
-              <a:rPr lang="zh-TW" altLang="en-US" dirty="0" smtClean="0"/>
-              <a:t>取得</a:t>
-            </a:r>
-            <a:r>
-              <a:rPr lang="zh-TW" altLang="en-US" dirty="0"/>
-              <a:t>所有基金的首頁</a:t>
-            </a:r>
-            <a:endParaRPr lang="en-US" altLang="zh-TW" dirty="0" smtClean="0"/>
+            <a:endParaRPr lang="en-US" altLang="zh-TW" dirty="0"/>
           </a:p>
           <a:p>
             <a:r>
               <a:rPr lang="zh-TW" altLang="en-US" dirty="0"/>
-              <a:t>基金</a:t>
+              <a:t>基金淨值及基本資料爬取方法</a:t>
             </a:r>
             <a:r>
-              <a:rPr lang="zh-TW" altLang="en-US" dirty="0" smtClean="0"/>
-              <a:t>淨值及基本資料爬</a:t>
+              <a:rPr lang="en-US" altLang="zh-TW" dirty="0"/>
+              <a:t>:</a:t>
+            </a:r>
+            <a:br>
+              <a:rPr lang="en-US" altLang="zh-TW" dirty="0"/>
+            </a:br>
+            <a:r>
+              <a:rPr lang="zh-TW" altLang="en-US" dirty="0"/>
+              <a:t>得到基金的首頁後，可得知該基金代號，接著利用基金代號可以用</a:t>
+            </a:r>
+            <a:r>
+              <a:rPr lang="en-US" altLang="zh-TW" dirty="0" err="1"/>
+              <a:t>requests.get</a:t>
+            </a:r>
+            <a:r>
+              <a:rPr lang="en-US" altLang="zh-TW" dirty="0"/>
+              <a:t>()</a:t>
             </a:r>
             <a:r>
               <a:rPr lang="zh-TW" altLang="en-US" dirty="0"/>
-              <a:t>取方法</a:t>
+              <a:t>方法配合以下網址來取得淨值檔案</a:t>
+            </a:r>
+            <a:br>
+              <a:rPr lang="en-US" altLang="zh-TW" dirty="0"/>
+            </a:br>
+            <a:r>
+              <a:rPr lang="en-US" altLang="zh-TW" dirty="0"/>
+              <a:t>https://tw.money.yahoo.com/fund/download/</a:t>
             </a:r>
             <a:r>
-              <a:rPr lang="en-US" altLang="zh-TW" dirty="0" smtClean="0"/>
-              <a:t>:</a:t>
-            </a:r>
-            <a:br>
-              <a:rPr lang="en-US" altLang="zh-TW" dirty="0" smtClean="0"/>
-            </a:br>
-            <a:r>
-              <a:rPr lang="zh-TW" altLang="en-US" dirty="0" smtClean="0"/>
-              <a:t>得到基金的首頁後，可得知</a:t>
-            </a:r>
-            <a:r>
-              <a:rPr lang="zh-TW" altLang="en-US" dirty="0"/>
-              <a:t>該基金代號</a:t>
-            </a:r>
-            <a:r>
-              <a:rPr lang="zh-TW" altLang="en-US" dirty="0" smtClean="0"/>
-              <a:t>，接著利用基金代號可以用</a:t>
-            </a:r>
-            <a:r>
-              <a:rPr lang="en-US" altLang="zh-TW" dirty="0" err="1" smtClean="0"/>
-              <a:t>requests.get</a:t>
-            </a:r>
-            <a:r>
-              <a:rPr lang="en-US" altLang="zh-TW" dirty="0" smtClean="0"/>
-              <a:t>()</a:t>
-            </a:r>
-            <a:r>
-              <a:rPr lang="zh-TW" altLang="en-US" dirty="0" smtClean="0"/>
-              <a:t>方法配合</a:t>
-            </a:r>
-            <a:r>
-              <a:rPr lang="zh-TW" altLang="en-US" dirty="0"/>
-              <a:t>以下</a:t>
-            </a:r>
-            <a:r>
-              <a:rPr lang="zh-TW" altLang="en-US" dirty="0" smtClean="0"/>
-              <a:t>網址來取得淨值檔案</a:t>
-            </a:r>
-            <a:r>
-              <a:rPr lang="en-US" altLang="zh-TW" dirty="0" smtClean="0"/>
-              <a:t/>
-            </a:r>
-            <a:br>
-              <a:rPr lang="en-US" altLang="zh-TW" dirty="0" smtClean="0"/>
-            </a:br>
-            <a:r>
-              <a:rPr lang="en-US" altLang="zh-TW" dirty="0" smtClean="0"/>
-              <a:t>https</a:t>
-            </a:r>
-            <a:r>
-              <a:rPr lang="en-US" altLang="zh-TW" dirty="0"/>
-              <a:t>://</a:t>
-            </a:r>
-            <a:r>
-              <a:rPr lang="en-US" altLang="zh-TW" dirty="0" smtClean="0"/>
-              <a:t>tw.money.yahoo.com/fund/download/</a:t>
-            </a:r>
-            <a:r>
-              <a:rPr lang="zh-TW" altLang="en-US" dirty="0" smtClean="0">
+              <a:rPr lang="zh-TW" altLang="en-US" dirty="0">
                 <a:solidFill>
                   <a:srgbClr val="FF0000"/>
                 </a:solidFill>
@@ -15356,15 +15261,15 @@
               <a:t>代號</a:t>
             </a:r>
             <a:r>
-              <a:rPr lang="en-US" altLang="zh-TW" dirty="0" smtClean="0"/>
+              <a:rPr lang="en-US" altLang="zh-TW" dirty="0"/>
               <a:t>?</a:t>
             </a:r>
             <a:r>
-              <a:rPr lang="en-US" altLang="zh-TW" dirty="0" err="1" smtClean="0"/>
+              <a:rPr lang="en-US" altLang="zh-TW" dirty="0" err="1"/>
               <a:t>startDate</a:t>
             </a:r>
             <a:r>
-              <a:rPr lang="en-US" altLang="zh-TW" dirty="0" smtClean="0"/>
+              <a:rPr lang="en-US" altLang="zh-TW" dirty="0"/>
               <a:t>=1999-03-01&amp;endDate=2019-03-21</a:t>
             </a:r>
             <a:endParaRPr lang="zh-TW" dirty="0"/>
@@ -15429,11 +15334,11 @@
           <a:lstStyle/>
           <a:p>
             <a:r>
-              <a:rPr lang="zh-TW" altLang="en-US" dirty="0" smtClean="0"/>
+              <a:rPr lang="zh-TW" altLang="en-US" dirty="0"/>
               <a:t>資料收集流程 </a:t>
             </a:r>
             <a:r>
-              <a:rPr lang="en-US" altLang="zh-TW" dirty="0" smtClean="0"/>
+              <a:rPr lang="en-US" altLang="zh-TW" dirty="0"/>
               <a:t>-2/2</a:t>
             </a:r>
             <a:endParaRPr lang="zh-TW" altLang="en-US" dirty="0"/>
@@ -15456,48 +15361,25 @@
           <a:lstStyle/>
           <a:p>
             <a:r>
-              <a:rPr lang="zh-TW" altLang="en-US" dirty="0" smtClean="0"/>
+              <a:rPr lang="zh-TW" altLang="en-US" dirty="0"/>
               <a:t>第一次收集時收集近一年資料，存成</a:t>
             </a:r>
             <a:r>
-              <a:rPr lang="en-US" altLang="zh-TW" dirty="0" smtClean="0"/>
+              <a:rPr lang="en-US" altLang="zh-TW" dirty="0"/>
               <a:t>csv</a:t>
             </a:r>
             <a:r>
-              <a:rPr lang="zh-TW" altLang="en-US" dirty="0" smtClean="0"/>
+              <a:rPr lang="zh-TW" altLang="en-US" dirty="0"/>
               <a:t>檔</a:t>
             </a:r>
-            <a:r>
-              <a:rPr lang="en-US" altLang="zh-TW" dirty="0" smtClean="0"/>
-              <a:t>(pandas</a:t>
-            </a:r>
-            <a:r>
-              <a:rPr lang="zh-TW" altLang="en-US" dirty="0" smtClean="0"/>
-              <a:t> </a:t>
-            </a:r>
-            <a:r>
-              <a:rPr lang="en-US" altLang="zh-TW" dirty="0" err="1" smtClean="0"/>
-              <a:t>dataframe</a:t>
-            </a:r>
-            <a:r>
-              <a:rPr lang="en-US" altLang="zh-TW" dirty="0" smtClean="0"/>
-              <a:t>??)</a:t>
-            </a:r>
+            <a:endParaRPr lang="en-US" altLang="zh-TW" dirty="0"/>
           </a:p>
           <a:p>
             <a:r>
-              <a:rPr lang="zh-TW" altLang="en-US" dirty="0" smtClean="0"/>
-              <a:t>接下來利用排</a:t>
+              <a:rPr lang="zh-TW" altLang="en-US" dirty="0"/>
+              <a:t>接下來利用排程器自動收集每天最新的資料，並刪除最舊的資料</a:t>
             </a:r>
-            <a:r>
-              <a:rPr lang="zh-TW" altLang="en-US" dirty="0"/>
-              <a:t>程</a:t>
-            </a:r>
-            <a:r>
-              <a:rPr lang="zh-TW" altLang="en-US" dirty="0" smtClean="0"/>
-              <a:t>器自動收集每天最新的資料，並刪除最舊的資料</a:t>
-            </a:r>
-            <a:endParaRPr lang="en-US" altLang="zh-TW" dirty="0" smtClean="0"/>
+            <a:endParaRPr lang="en-US" altLang="zh-TW" dirty="0"/>
           </a:p>
           <a:p>
             <a:endParaRPr lang="zh-TW" altLang="en-US" dirty="0"/>
@@ -15592,19 +15474,19 @@
           <a:lstStyle/>
           <a:p>
             <a:r>
-              <a:rPr lang="zh-TW" altLang="en-US" dirty="0" smtClean="0"/>
+              <a:rPr lang="zh-TW" altLang="en-US" dirty="0"/>
               <a:t>資料分析流程 </a:t>
             </a:r>
             <a:r>
-              <a:rPr lang="en-US" altLang="zh-TW" dirty="0" smtClean="0"/>
+              <a:rPr lang="en-US" altLang="zh-TW" dirty="0"/>
               <a:t>-1/2</a:t>
             </a:r>
             <a:endParaRPr lang="zh-TW" altLang="en-US" dirty="0"/>
           </a:p>
         </p:txBody>
       </p:sp>
-      <mc:AlternateContent xmlns:mc="http://schemas.openxmlformats.org/markup-compatibility/2006">
-        <mc:Choice xmlns:a14="http://schemas.microsoft.com/office/drawing/2010/main" Requires="a14">
+      <mc:AlternateContent xmlns:mc="http://schemas.openxmlformats.org/markup-compatibility/2006" xmlns:a14="http://schemas.microsoft.com/office/drawing/2010/main">
+        <mc:Choice Requires="a14">
           <p:sp>
             <p:nvSpPr>
               <p:cNvPr id="3" name="內容版面配置區 2"/>
@@ -15621,26 +15503,26 @@
               <a:lstStyle/>
               <a:p>
                 <a:r>
-                  <a:rPr lang="zh-TW" altLang="en-US" dirty="0" smtClean="0"/>
+                  <a:rPr lang="zh-TW" altLang="en-US" dirty="0"/>
                   <a:t>採用以下</a:t>
                 </a:r>
                 <a:r>
-                  <a:rPr lang="en-US" altLang="zh-TW" dirty="0" smtClean="0"/>
+                  <a:rPr lang="en-US" altLang="zh-TW" dirty="0"/>
                   <a:t>3</a:t>
                 </a:r>
                 <a:r>
-                  <a:rPr lang="zh-TW" altLang="en-US" dirty="0" smtClean="0"/>
+                  <a:rPr lang="zh-TW" altLang="en-US" dirty="0"/>
                   <a:t>種方法分析兩基金淨值的相似度：</a:t>
                 </a:r>
-                <a:endParaRPr lang="en-US" altLang="zh-TW" dirty="0" smtClean="0"/>
+                <a:endParaRPr lang="en-US" altLang="zh-TW" dirty="0"/>
               </a:p>
               <a:p>
                 <a:r>
-                  <a:rPr lang="en-US" altLang="zh-TW" dirty="0" smtClean="0"/>
+                  <a:rPr lang="en-US" altLang="zh-TW" dirty="0"/>
                   <a:t>1.pearson correlation, </a:t>
                 </a:r>
                 <a:r>
-                  <a:rPr lang="zh-TW" altLang="en-US" dirty="0" smtClean="0"/>
+                  <a:rPr lang="zh-TW" altLang="en-US" dirty="0"/>
                   <a:t>即 </a:t>
                 </a:r>
                 <a14:m>
@@ -15743,11 +15625,11 @@
                     </m:f>
                   </m:oMath>
                 </a14:m>
-                <a:endParaRPr lang="en-US" altLang="zh-TW" sz="2400" dirty="0" smtClean="0"/>
+                <a:endParaRPr lang="en-US" altLang="zh-TW" sz="2400" dirty="0"/>
               </a:p>
               <a:p>
                 <a:r>
-                  <a:rPr lang="en-US" altLang="zh-TW" dirty="0" smtClean="0"/>
+                  <a:rPr lang="en-US" altLang="zh-TW" dirty="0"/>
                   <a:t>2.spearman correlation, </a:t>
                 </a:r>
                 <a:r>
@@ -15755,7 +15637,7 @@
                   <a:t>即</a:t>
                 </a:r>
                 <a:r>
-                  <a:rPr lang="en-US" altLang="zh-TW" dirty="0" smtClean="0"/>
+                  <a:rPr lang="en-US" altLang="zh-TW" dirty="0"/>
                   <a:t>rank correlation</a:t>
                 </a:r>
               </a:p>
@@ -15766,18 +15648,18 @@
                   </a:spcAft>
                 </a:pPr>
                 <a:r>
-                  <a:rPr lang="en-US" altLang="zh-TW" dirty="0" smtClean="0"/>
+                  <a:rPr lang="en-US" altLang="zh-TW" dirty="0"/>
                   <a:t>3.downside correlation(</a:t>
                 </a:r>
                 <a:r>
-                  <a:rPr lang="zh-TW" altLang="en-US" dirty="0" smtClean="0"/>
+                  <a:rPr lang="zh-TW" altLang="en-US" dirty="0"/>
                   <a:t>只取下跌時淨值，非對稱</a:t>
                 </a:r>
                 <a:r>
-                  <a:rPr lang="en-US" altLang="zh-TW" dirty="0" smtClean="0"/>
+                  <a:rPr lang="en-US" altLang="zh-TW" dirty="0"/>
                   <a:t>)</a:t>
                 </a:r>
-                <a:endParaRPr lang="en-US" altLang="zh-TW" sz="1200" dirty="0" smtClean="0"/>
+                <a:endParaRPr lang="en-US" altLang="zh-TW" sz="1200" dirty="0"/>
               </a:p>
               <a:p>
                 <a:pPr marL="0" indent="0">
@@ -16012,7 +15894,7 @@
                     </m:oMath>
                   </m:oMathPara>
                 </a14:m>
-                <a:endParaRPr lang="en-US" altLang="zh-TW" sz="2400" dirty="0" smtClean="0"/>
+                <a:endParaRPr lang="en-US" altLang="zh-TW" sz="2400" dirty="0"/>
               </a:p>
               <a:p>
                 <a:pPr marL="0" indent="0">
@@ -16244,12 +16126,12 @@
                     </m:oMath>
                   </m:oMathPara>
                 </a14:m>
-                <a:endParaRPr lang="en-US" altLang="zh-TW" dirty="0" smtClean="0"/>
+                <a:endParaRPr lang="en-US" altLang="zh-TW" dirty="0"/>
               </a:p>
             </p:txBody>
           </p:sp>
         </mc:Choice>
-        <mc:Fallback>
+        <mc:Fallback xmlns="">
           <p:sp>
             <p:nvSpPr>
               <p:cNvPr id="3" name="內容版面配置區 2"/>
@@ -16341,11 +16223,11 @@
           <a:lstStyle/>
           <a:p>
             <a:r>
-              <a:rPr lang="zh-TW" altLang="en-US" dirty="0" smtClean="0"/>
+              <a:rPr lang="zh-TW" altLang="en-US" dirty="0"/>
               <a:t>資料分析流程 </a:t>
             </a:r>
             <a:r>
-              <a:rPr lang="en-US" altLang="zh-TW" dirty="0" smtClean="0"/>
+              <a:rPr lang="en-US" altLang="zh-TW" dirty="0"/>
               <a:t>-2/2</a:t>
             </a:r>
             <a:endParaRPr lang="zh-TW" altLang="en-US" dirty="0"/>
@@ -16368,100 +16250,95 @@
           <a:lstStyle/>
           <a:p>
             <a:r>
-              <a:rPr lang="zh-TW" altLang="en-US" dirty="0" smtClean="0"/>
+              <a:rPr lang="zh-TW" altLang="en-US" dirty="0"/>
               <a:t>以上分析方法的問題</a:t>
-            </a:r>
-            <a:endParaRPr lang="en-US" altLang="zh-TW" dirty="0" smtClean="0"/>
-          </a:p>
-          <a:p>
-            <a:r>
-              <a:rPr lang="zh-TW" altLang="en-US" dirty="0" smtClean="0"/>
-              <a:t>有些資料的數值都一樣：</a:t>
-            </a:r>
-            <a:r>
-              <a:rPr lang="en-US" altLang="zh-TW" dirty="0" err="1" smtClean="0"/>
-              <a:t>std</a:t>
-            </a:r>
-            <a:r>
-              <a:rPr lang="en-US" altLang="zh-TW" dirty="0" smtClean="0"/>
-              <a:t>(x)=0→pearson correlation</a:t>
-            </a:r>
-            <a:r>
-              <a:rPr lang="zh-TW" altLang="en-US" dirty="0" smtClean="0"/>
-              <a:t>會算不出來，</a:t>
-            </a:r>
-            <a:r>
-              <a:rPr lang="en-US" altLang="zh-TW" dirty="0" smtClean="0"/>
-              <a:t>rank</a:t>
-            </a:r>
-            <a:r>
-              <a:rPr lang="zh-TW" altLang="en-US" dirty="0" smtClean="0"/>
-              <a:t>全部相同，</a:t>
-            </a:r>
-            <a:r>
-              <a:rPr lang="en-US" altLang="zh-TW" dirty="0" smtClean="0"/>
-              <a:t>spearman</a:t>
-            </a:r>
-            <a:r>
-              <a:rPr lang="zh-TW" altLang="en-US" dirty="0" smtClean="0"/>
-              <a:t> </a:t>
-            </a:r>
-            <a:r>
-              <a:rPr lang="en-US" altLang="zh-TW" dirty="0" smtClean="0"/>
-              <a:t>correlation</a:t>
-            </a:r>
-            <a:r>
-              <a:rPr lang="zh-TW" altLang="en-US" dirty="0" smtClean="0"/>
-              <a:t>也會算不出來</a:t>
-            </a:r>
-            <a:endParaRPr lang="en-US" altLang="zh-TW" dirty="0" smtClean="0"/>
-          </a:p>
-          <a:p>
-            <a:r>
-              <a:rPr lang="zh-TW" altLang="en-US" dirty="0" smtClean="0"/>
-              <a:t>解決方法：數值相同代表與其他基金無關，直接把相關係數設為</a:t>
-            </a:r>
-            <a:r>
-              <a:rPr lang="en-US" altLang="zh-TW" dirty="0" smtClean="0"/>
-              <a:t>0</a:t>
             </a:r>
             <a:endParaRPr lang="en-US" altLang="zh-TW" dirty="0"/>
           </a:p>
           <a:p>
             <a:r>
-              <a:rPr lang="zh-TW" altLang="en-US" dirty="0" smtClean="0"/>
+              <a:rPr lang="zh-TW" altLang="en-US" dirty="0"/>
+              <a:t>有些資料的數值都一樣：</a:t>
+            </a:r>
+            <a:r>
+              <a:rPr lang="en-US" altLang="zh-TW" dirty="0" err="1"/>
+              <a:t>std</a:t>
+            </a:r>
+            <a:r>
+              <a:rPr lang="en-US" altLang="zh-TW" dirty="0"/>
+              <a:t>(x)=0→pearson correlation</a:t>
+            </a:r>
+            <a:r>
+              <a:rPr lang="zh-TW" altLang="en-US" dirty="0"/>
+              <a:t>會算不出來，</a:t>
+            </a:r>
+            <a:r>
+              <a:rPr lang="en-US" altLang="zh-TW" dirty="0"/>
+              <a:t>rank</a:t>
+            </a:r>
+            <a:r>
+              <a:rPr lang="zh-TW" altLang="en-US" dirty="0"/>
+              <a:t>全部相同，</a:t>
+            </a:r>
+            <a:r>
+              <a:rPr lang="en-US" altLang="zh-TW" dirty="0"/>
+              <a:t>spearman</a:t>
+            </a:r>
+            <a:r>
+              <a:rPr lang="zh-TW" altLang="en-US" dirty="0"/>
+              <a:t> </a:t>
+            </a:r>
+            <a:r>
+              <a:rPr lang="en-US" altLang="zh-TW" dirty="0"/>
+              <a:t>correlation</a:t>
+            </a:r>
+            <a:r>
+              <a:rPr lang="zh-TW" altLang="en-US" dirty="0"/>
+              <a:t>也會算不出來</a:t>
+            </a:r>
+            <a:endParaRPr lang="en-US" altLang="zh-TW" dirty="0"/>
+          </a:p>
+          <a:p>
+            <a:r>
+              <a:rPr lang="zh-TW" altLang="en-US" dirty="0"/>
+              <a:t>解決方法：數值相同代表與其他基金無關，直接把相關係數設為</a:t>
+            </a:r>
+            <a:r>
+              <a:rPr lang="en-US" altLang="zh-TW" dirty="0"/>
+              <a:t>0</a:t>
+            </a:r>
+          </a:p>
+          <a:p>
+            <a:r>
+              <a:rPr lang="zh-TW" altLang="en-US" dirty="0"/>
               <a:t>有些基金淨值穩定緩慢上升，沒有下降，</a:t>
             </a:r>
             <a:r>
-              <a:rPr lang="en-US" altLang="zh-TW" dirty="0" smtClean="0"/>
+              <a:rPr lang="en-US" altLang="zh-TW" dirty="0"/>
               <a:t>downside</a:t>
             </a:r>
             <a:r>
-              <a:rPr lang="zh-TW" altLang="en-US" dirty="0" smtClean="0"/>
+              <a:rPr lang="zh-TW" altLang="en-US" dirty="0"/>
               <a:t> </a:t>
             </a:r>
             <a:r>
-              <a:rPr lang="en-US" altLang="zh-TW" dirty="0" smtClean="0"/>
+              <a:rPr lang="en-US" altLang="zh-TW" dirty="0"/>
               <a:t>correlation</a:t>
             </a:r>
             <a:r>
-              <a:rPr lang="zh-TW" altLang="en-US" dirty="0" smtClean="0"/>
+              <a:rPr lang="zh-TW" altLang="en-US" dirty="0"/>
               <a:t>算不出來</a:t>
             </a:r>
-            <a:endParaRPr lang="en-US" altLang="zh-TW" dirty="0" smtClean="0"/>
+            <a:endParaRPr lang="en-US" altLang="zh-TW" dirty="0"/>
           </a:p>
           <a:p>
             <a:r>
-              <a:rPr lang="zh-TW" altLang="en-US" dirty="0" smtClean="0"/>
+              <a:rPr lang="zh-TW" altLang="en-US" dirty="0"/>
               <a:t>解決方法</a:t>
             </a:r>
             <a:r>
-              <a:rPr lang="en-US" altLang="zh-TW" dirty="0" smtClean="0"/>
-              <a:t>?</a:t>
-            </a:r>
-            <a:r>
               <a:rPr lang="en-US" altLang="zh-TW" dirty="0"/>
-              <a:t>?</a:t>
+              <a:t>??</a:t>
             </a:r>
             <a:endParaRPr lang="zh-TW" altLang="en-US" dirty="0"/>
           </a:p>
@@ -16525,11 +16402,11 @@
           <a:lstStyle/>
           <a:p>
             <a:r>
-              <a:rPr lang="zh-TW" altLang="en-US" dirty="0" smtClean="0"/>
+              <a:rPr lang="zh-TW" altLang="en-US" dirty="0"/>
               <a:t>資料應用 </a:t>
             </a:r>
             <a:r>
-              <a:rPr lang="en-US" altLang="zh-TW" dirty="0" smtClean="0"/>
+              <a:rPr lang="en-US" altLang="zh-TW" dirty="0"/>
               <a:t>-1/2</a:t>
             </a:r>
             <a:endParaRPr lang="zh-TW" altLang="en-US" dirty="0"/>
@@ -16552,32 +16429,32 @@
           <a:lstStyle/>
           <a:p>
             <a:r>
-              <a:rPr lang="zh-TW" altLang="en-US" dirty="0" smtClean="0"/>
+              <a:rPr lang="zh-TW" altLang="en-US" dirty="0"/>
               <a:t>使用者輸入兩個基金，輸出基金間的相關性</a:t>
             </a:r>
-            <a:endParaRPr lang="en-US" altLang="zh-TW" dirty="0" smtClean="0"/>
+            <a:endParaRPr lang="en-US" altLang="zh-TW" dirty="0"/>
           </a:p>
           <a:p>
             <a:r>
-              <a:rPr lang="zh-TW" altLang="en-US" dirty="0" smtClean="0"/>
+              <a:rPr lang="zh-TW" altLang="en-US" dirty="0"/>
               <a:t>該取哪個相關係數</a:t>
             </a:r>
             <a:r>
-              <a:rPr lang="en-US" altLang="zh-TW" dirty="0" smtClean="0"/>
+              <a:rPr lang="en-US" altLang="zh-TW" dirty="0"/>
               <a:t>?</a:t>
             </a:r>
             <a:r>
-              <a:rPr lang="zh-TW" altLang="en-US" dirty="0" smtClean="0"/>
+              <a:rPr lang="zh-TW" altLang="en-US" dirty="0"/>
               <a:t>還是綜合考量</a:t>
             </a:r>
             <a:r>
-              <a:rPr lang="en-US" altLang="zh-TW" dirty="0" smtClean="0"/>
+              <a:rPr lang="en-US" altLang="zh-TW" dirty="0"/>
               <a:t>?</a:t>
             </a:r>
           </a:p>
           <a:p>
             <a:r>
-              <a:rPr lang="zh-TW" altLang="en-US" dirty="0" smtClean="0"/>
+              <a:rPr lang="zh-TW" altLang="en-US" dirty="0"/>
               <a:t>多個基金</a:t>
             </a:r>
             <a:r>
@@ -16646,11 +16523,11 @@
           <a:lstStyle/>
           <a:p>
             <a:r>
-              <a:rPr lang="zh-TW" altLang="en-US" dirty="0" smtClean="0"/>
+              <a:rPr lang="zh-TW" altLang="en-US" dirty="0"/>
               <a:t>資料應用 </a:t>
             </a:r>
             <a:r>
-              <a:rPr lang="en-US" altLang="zh-TW" dirty="0" smtClean="0"/>
+              <a:rPr lang="en-US" altLang="zh-TW" dirty="0"/>
               <a:t>-2/2</a:t>
             </a:r>
             <a:endParaRPr lang="zh-TW" altLang="en-US" dirty="0"/>
@@ -16673,22 +16550,22 @@
           <a:lstStyle/>
           <a:p>
             <a:r>
-              <a:rPr lang="zh-TW" altLang="en-US" dirty="0" smtClean="0"/>
+              <a:rPr lang="zh-TW" altLang="en-US" dirty="0"/>
               <a:t>使用者輸入投資的基金組合，輸出推薦的基金</a:t>
             </a:r>
-            <a:endParaRPr lang="en-US" altLang="zh-TW" dirty="0" smtClean="0"/>
+            <a:endParaRPr lang="en-US" altLang="zh-TW" dirty="0"/>
           </a:p>
           <a:p>
             <a:r>
-              <a:rPr lang="zh-TW" altLang="en-US" dirty="0" smtClean="0"/>
+              <a:rPr lang="zh-TW" altLang="en-US" dirty="0"/>
               <a:t>直接取相關係數最小的</a:t>
             </a:r>
             <a:r>
-              <a:rPr lang="en-US" altLang="zh-TW" dirty="0" smtClean="0"/>
+              <a:rPr lang="en-US" altLang="zh-TW" dirty="0"/>
               <a:t>?</a:t>
             </a:r>
             <a:r>
-              <a:rPr lang="zh-TW" altLang="en-US" dirty="0" smtClean="0"/>
+              <a:rPr lang="zh-TW" altLang="en-US" dirty="0"/>
               <a:t>還是要對不同基金作加權</a:t>
             </a:r>
             <a:r>
@@ -17492,143 +17369,6 @@
 </file>
 
 <file path=customXml/item1.xml><?xml version="1.0" encoding="utf-8"?>
-<p:properties xmlns:p="http://schemas.microsoft.com/office/2006/metadata/properties" xmlns:xsi="http://www.w3.org/2001/XMLSchema-instance" xmlns:pc="http://schemas.microsoft.com/office/infopath/2007/PartnerControls">
-  <documentManagement>
-    <APDescription xmlns="c66daf58-3c46-4c48-8560-c485e881f7f9" xsi:nil="true"/>
-    <AssetExpire xmlns="c66daf58-3c46-4c48-8560-c485e881f7f9">2029-01-01T08:00:00+00:00</AssetExpire>
-    <CampaignTagsTaxHTField0 xmlns="c66daf58-3c46-4c48-8560-c485e881f7f9">
-      <Terms xmlns="http://schemas.microsoft.com/office/infopath/2007/PartnerControls"/>
-    </CampaignTagsTaxHTField0>
-    <IntlLangReviewDate xmlns="c66daf58-3c46-4c48-8560-c485e881f7f9" xsi:nil="true"/>
-    <TPFriendlyName xmlns="c66daf58-3c46-4c48-8560-c485e881f7f9" xsi:nil="true"/>
-    <IntlLangReview xmlns="c66daf58-3c46-4c48-8560-c485e881f7f9">false</IntlLangReview>
-    <LocLastLocAttemptVersionLookup xmlns="c66daf58-3c46-4c48-8560-c485e881f7f9">847684</LocLastLocAttemptVersionLookup>
-    <PolicheckWords xmlns="c66daf58-3c46-4c48-8560-c485e881f7f9" xsi:nil="true"/>
-    <SubmitterId xmlns="c66daf58-3c46-4c48-8560-c485e881f7f9" xsi:nil="true"/>
-    <AcquiredFrom xmlns="c66daf58-3c46-4c48-8560-c485e881f7f9">Internal MS</AcquiredFrom>
-    <EditorialStatus xmlns="c66daf58-3c46-4c48-8560-c485e881f7f9">Complete</EditorialStatus>
-    <Markets xmlns="c66daf58-3c46-4c48-8560-c485e881f7f9"/>
-    <OriginAsset xmlns="c66daf58-3c46-4c48-8560-c485e881f7f9" xsi:nil="true"/>
-    <AssetStart xmlns="c66daf58-3c46-4c48-8560-c485e881f7f9">2012-07-18T04:03:00+00:00</AssetStart>
-    <FriendlyTitle xmlns="c66daf58-3c46-4c48-8560-c485e881f7f9" xsi:nil="true"/>
-    <MarketSpecific xmlns="c66daf58-3c46-4c48-8560-c485e881f7f9">false</MarketSpecific>
-    <TPNamespace xmlns="c66daf58-3c46-4c48-8560-c485e881f7f9" xsi:nil="true"/>
-    <PublishStatusLookup xmlns="c66daf58-3c46-4c48-8560-c485e881f7f9">
-      <Value>480358</Value>
-    </PublishStatusLookup>
-    <APAuthor xmlns="c66daf58-3c46-4c48-8560-c485e881f7f9">
-      <UserInfo>
-        <DisplayName>REDMOND\kristaa</DisplayName>
-        <AccountId>136</AccountId>
-        <AccountType/>
-      </UserInfo>
-    </APAuthor>
-    <TPCommandLine xmlns="c66daf58-3c46-4c48-8560-c485e881f7f9" xsi:nil="true"/>
-    <IntlLangReviewer xmlns="c66daf58-3c46-4c48-8560-c485e881f7f9" xsi:nil="true"/>
-    <OpenTemplate xmlns="c66daf58-3c46-4c48-8560-c485e881f7f9">true</OpenTemplate>
-    <CSXSubmissionDate xmlns="c66daf58-3c46-4c48-8560-c485e881f7f9" xsi:nil="true"/>
-    <TaxCatchAll xmlns="c66daf58-3c46-4c48-8560-c485e881f7f9"/>
-    <Manager xmlns="c66daf58-3c46-4c48-8560-c485e881f7f9" xsi:nil="true"/>
-    <NumericId xmlns="c66daf58-3c46-4c48-8560-c485e881f7f9" xsi:nil="true"/>
-    <ParentAssetId xmlns="c66daf58-3c46-4c48-8560-c485e881f7f9" xsi:nil="true"/>
-    <OriginalSourceMarket xmlns="c66daf58-3c46-4c48-8560-c485e881f7f9">english</OriginalSourceMarket>
-    <ApprovalStatus xmlns="c66daf58-3c46-4c48-8560-c485e881f7f9">InProgress</ApprovalStatus>
-    <TPComponent xmlns="c66daf58-3c46-4c48-8560-c485e881f7f9" xsi:nil="true"/>
-    <EditorialTags xmlns="c66daf58-3c46-4c48-8560-c485e881f7f9" xsi:nil="true"/>
-    <TPExecutable xmlns="c66daf58-3c46-4c48-8560-c485e881f7f9" xsi:nil="true"/>
-    <TPLaunchHelpLink xmlns="c66daf58-3c46-4c48-8560-c485e881f7f9" xsi:nil="true"/>
-    <LocComments xmlns="c66daf58-3c46-4c48-8560-c485e881f7f9" xsi:nil="true"/>
-    <LocRecommendedHandoff xmlns="c66daf58-3c46-4c48-8560-c485e881f7f9" xsi:nil="true"/>
-    <SourceTitle xmlns="c66daf58-3c46-4c48-8560-c485e881f7f9" xsi:nil="true"/>
-    <CSXUpdate xmlns="c66daf58-3c46-4c48-8560-c485e881f7f9">false</CSXUpdate>
-    <IntlLocPriority xmlns="c66daf58-3c46-4c48-8560-c485e881f7f9" xsi:nil="true"/>
-    <UAProjectedTotalWords xmlns="c66daf58-3c46-4c48-8560-c485e881f7f9" xsi:nil="true"/>
-    <AssetType xmlns="c66daf58-3c46-4c48-8560-c485e881f7f9">TP</AssetType>
-    <MachineTranslated xmlns="c66daf58-3c46-4c48-8560-c485e881f7f9">false</MachineTranslated>
-    <OutputCachingOn xmlns="c66daf58-3c46-4c48-8560-c485e881f7f9">false</OutputCachingOn>
-    <TemplateStatus xmlns="c66daf58-3c46-4c48-8560-c485e881f7f9">Complete</TemplateStatus>
-    <IsSearchable xmlns="c66daf58-3c46-4c48-8560-c485e881f7f9">true</IsSearchable>
-    <ContentItem xmlns="c66daf58-3c46-4c48-8560-c485e881f7f9" xsi:nil="true"/>
-    <HandoffToMSDN xmlns="c66daf58-3c46-4c48-8560-c485e881f7f9" xsi:nil="true"/>
-    <ShowIn xmlns="c66daf58-3c46-4c48-8560-c485e881f7f9">Show everywhere</ShowIn>
-    <ThumbnailAssetId xmlns="c66daf58-3c46-4c48-8560-c485e881f7f9" xsi:nil="true"/>
-    <UALocComments xmlns="c66daf58-3c46-4c48-8560-c485e881f7f9" xsi:nil="true"/>
-    <UALocRecommendation xmlns="c66daf58-3c46-4c48-8560-c485e881f7f9">Localize</UALocRecommendation>
-    <LastModifiedDateTime xmlns="c66daf58-3c46-4c48-8560-c485e881f7f9" xsi:nil="true"/>
-    <LegacyData xmlns="c66daf58-3c46-4c48-8560-c485e881f7f9" xsi:nil="true"/>
-    <LocManualTestRequired xmlns="c66daf58-3c46-4c48-8560-c485e881f7f9">false</LocManualTestRequired>
-    <LocMarketGroupTiers2 xmlns="c66daf58-3c46-4c48-8560-c485e881f7f9" xsi:nil="true"/>
-    <ClipArtFilename xmlns="c66daf58-3c46-4c48-8560-c485e881f7f9" xsi:nil="true"/>
-    <TPApplication xmlns="c66daf58-3c46-4c48-8560-c485e881f7f9" xsi:nil="true"/>
-    <CSXHash xmlns="c66daf58-3c46-4c48-8560-c485e881f7f9" xsi:nil="true"/>
-    <DirectSourceMarket xmlns="c66daf58-3c46-4c48-8560-c485e881f7f9">english</DirectSourceMarket>
-    <PrimaryImageGen xmlns="c66daf58-3c46-4c48-8560-c485e881f7f9">true</PrimaryImageGen>
-    <PlannedPubDate xmlns="c66daf58-3c46-4c48-8560-c485e881f7f9" xsi:nil="true"/>
-    <CSXSubmissionMarket xmlns="c66daf58-3c46-4c48-8560-c485e881f7f9" xsi:nil="true"/>
-    <Downloads xmlns="c66daf58-3c46-4c48-8560-c485e881f7f9">0</Downloads>
-    <ArtSampleDocs xmlns="c66daf58-3c46-4c48-8560-c485e881f7f9" xsi:nil="true"/>
-    <TrustLevel xmlns="c66daf58-3c46-4c48-8560-c485e881f7f9">1 Microsoft Managed Content</TrustLevel>
-    <BlockPublish xmlns="c66daf58-3c46-4c48-8560-c485e881f7f9">false</BlockPublish>
-    <TPLaunchHelpLinkType xmlns="c66daf58-3c46-4c48-8560-c485e881f7f9">Template</TPLaunchHelpLinkType>
-    <LocalizationTagsTaxHTField0 xmlns="c66daf58-3c46-4c48-8560-c485e881f7f9">
-      <Terms xmlns="http://schemas.microsoft.com/office/infopath/2007/PartnerControls"/>
-    </LocalizationTagsTaxHTField0>
-    <BusinessGroup xmlns="c66daf58-3c46-4c48-8560-c485e881f7f9" xsi:nil="true"/>
-    <Providers xmlns="c66daf58-3c46-4c48-8560-c485e881f7f9" xsi:nil="true"/>
-    <TemplateTemplateType xmlns="c66daf58-3c46-4c48-8560-c485e881f7f9">PowerPoint Presentation Template</TemplateTemplateType>
-    <TimesCloned xmlns="c66daf58-3c46-4c48-8560-c485e881f7f9" xsi:nil="true"/>
-    <TPAppVersion xmlns="c66daf58-3c46-4c48-8560-c485e881f7f9" xsi:nil="true"/>
-    <VoteCount xmlns="c66daf58-3c46-4c48-8560-c485e881f7f9" xsi:nil="true"/>
-    <AverageRating xmlns="c66daf58-3c46-4c48-8560-c485e881f7f9" xsi:nil="true"/>
-    <FeatureTagsTaxHTField0 xmlns="c66daf58-3c46-4c48-8560-c485e881f7f9">
-      <Terms xmlns="http://schemas.microsoft.com/office/infopath/2007/PartnerControls"/>
-    </FeatureTagsTaxHTField0>
-    <Provider xmlns="c66daf58-3c46-4c48-8560-c485e881f7f9" xsi:nil="true"/>
-    <UACurrentWords xmlns="c66daf58-3c46-4c48-8560-c485e881f7f9" xsi:nil="true"/>
-    <AssetId xmlns="c66daf58-3c46-4c48-8560-c485e881f7f9">TP103031012</AssetId>
-    <TPClientViewer xmlns="c66daf58-3c46-4c48-8560-c485e881f7f9" xsi:nil="true"/>
-    <DSATActionTaken xmlns="c66daf58-3c46-4c48-8560-c485e881f7f9" xsi:nil="true"/>
-    <APEditor xmlns="c66daf58-3c46-4c48-8560-c485e881f7f9">
-      <UserInfo>
-        <DisplayName/>
-        <AccountId xsi:nil="true"/>
-        <AccountType/>
-      </UserInfo>
-    </APEditor>
-    <TPInstallLocation xmlns="c66daf58-3c46-4c48-8560-c485e881f7f9" xsi:nil="true"/>
-    <OOCacheId xmlns="c66daf58-3c46-4c48-8560-c485e881f7f9" xsi:nil="true"/>
-    <IsDeleted xmlns="c66daf58-3c46-4c48-8560-c485e881f7f9">false</IsDeleted>
-    <PublishTargets xmlns="c66daf58-3c46-4c48-8560-c485e881f7f9">OfficeOnlineVNext</PublishTargets>
-    <ApprovalLog xmlns="c66daf58-3c46-4c48-8560-c485e881f7f9" xsi:nil="true"/>
-    <BugNumber xmlns="c66daf58-3c46-4c48-8560-c485e881f7f9" xsi:nil="true"/>
-    <CrawlForDependencies xmlns="c66daf58-3c46-4c48-8560-c485e881f7f9">false</CrawlForDependencies>
-    <InternalTagsTaxHTField0 xmlns="c66daf58-3c46-4c48-8560-c485e881f7f9">
-      <Terms xmlns="http://schemas.microsoft.com/office/infopath/2007/PartnerControls"/>
-    </InternalTagsTaxHTField0>
-    <LastHandOff xmlns="c66daf58-3c46-4c48-8560-c485e881f7f9" xsi:nil="true"/>
-    <Milestone xmlns="c66daf58-3c46-4c48-8560-c485e881f7f9" xsi:nil="true"/>
-    <OriginalRelease xmlns="c66daf58-3c46-4c48-8560-c485e881f7f9">15</OriginalRelease>
-    <RecommendationsModifier xmlns="c66daf58-3c46-4c48-8560-c485e881f7f9" xsi:nil="true"/>
-    <ScenarioTagsTaxHTField0 xmlns="c66daf58-3c46-4c48-8560-c485e881f7f9">
-      <Terms xmlns="http://schemas.microsoft.com/office/infopath/2007/PartnerControls"/>
-    </ScenarioTagsTaxHTField0>
-    <UANotes xmlns="c66daf58-3c46-4c48-8560-c485e881f7f9" xsi:nil="true"/>
-    <Component xmlns="8e8ea6d1-e150-4704-b47c-0a92d6aed386" xsi:nil="true"/>
-    <Description0 xmlns="8e8ea6d1-e150-4704-b47c-0a92d6aed386" xsi:nil="true"/>
-  </documentManagement>
-</p:properties>
-</file>
-
-<file path=customXml/item2.xml><?xml version="1.0" encoding="utf-8"?>
-<?mso-contentType ?>
-<FormTemplates xmlns="http://schemas.microsoft.com/sharepoint/v3/contenttype/forms">
-  <Display>DocumentLibraryForm</Display>
-  <Edit>AssetEditForm</Edit>
-  <New>DocumentLibraryForm</New>
-</FormTemplates>
-</file>
-
-<file path=customXml/item3.xml><?xml version="1.0" encoding="utf-8"?>
 <ct:contentTypeSchema xmlns:ct="http://schemas.microsoft.com/office/2006/metadata/contentType" xmlns:ma="http://schemas.microsoft.com/office/2006/metadata/properties/metaAttributes" ct:_="" ma:_="" ma:contentTypeName="TemplateFile" ma:contentTypeID="0x0101009D4095AFEE790E42B52CF3AD35B999BF040086E71550AC00CE488731BAE03648ABFB" ma:contentTypeVersion="69" ma:contentTypeDescription="Create a new document." ma:contentTypeScope="" ma:versionID="19c8e0d4ec850202fc84bb6df7d27d5a">
   <xsd:schema xmlns:xsd="http://www.w3.org/2001/XMLSchema" xmlns:xs="http://www.w3.org/2001/XMLSchema" xmlns:p="http://schemas.microsoft.com/office/2006/metadata/properties" xmlns:ns2="c66daf58-3c46-4c48-8560-c485e881f7f9" xmlns:ns3="8e8ea6d1-e150-4704-b47c-0a92d6aed386" targetNamespace="http://schemas.microsoft.com/office/2006/metadata/properties" ma:root="true" ma:fieldsID="61474f05e94678c8e4bfc6326c72eb04" ns2:_="" ns3:_="">
     <xsd:import namespace="c66daf58-3c46-4c48-8560-c485e881f7f9"/>
@@ -18687,26 +18427,144 @@
 </ct:contentTypeSchema>
 </file>
 
-<file path=customXml/itemProps1.xml><?xml version="1.0" encoding="utf-8"?>
-<ds:datastoreItem xmlns:ds="http://schemas.openxmlformats.org/officeDocument/2006/customXml" ds:itemID="{5B928D1E-68BA-412E-B34A-7160A7263FC7}">
-  <ds:schemaRefs>
-    <ds:schemaRef ds:uri="http://schemas.microsoft.com/office/2006/metadata/properties"/>
-    <ds:schemaRef ds:uri="http://schemas.microsoft.com/office/infopath/2007/PartnerControls"/>
-    <ds:schemaRef ds:uri="c66daf58-3c46-4c48-8560-c485e881f7f9"/>
-    <ds:schemaRef ds:uri="8e8ea6d1-e150-4704-b47c-0a92d6aed386"/>
-  </ds:schemaRefs>
-</ds:datastoreItem>
+<file path=customXml/item2.xml><?xml version="1.0" encoding="utf-8"?>
+<?mso-contentType ?>
+<FormTemplates xmlns="http://schemas.microsoft.com/sharepoint/v3/contenttype/forms">
+  <Display>DocumentLibraryForm</Display>
+  <Edit>AssetEditForm</Edit>
+  <New>DocumentLibraryForm</New>
+</FormTemplates>
 </file>
 
-<file path=customXml/itemProps2.xml><?xml version="1.0" encoding="utf-8"?>
-<ds:datastoreItem xmlns:ds="http://schemas.openxmlformats.org/officeDocument/2006/customXml" ds:itemID="{27087C0F-7449-45C4-B248-63D02665BF1F}">
-  <ds:schemaRefs>
-    <ds:schemaRef ds:uri="http://schemas.microsoft.com/sharepoint/v3/contenttype/forms"/>
-  </ds:schemaRefs>
-</ds:datastoreItem>
+<file path=customXml/item3.xml><?xml version="1.0" encoding="utf-8"?>
+<p:properties xmlns:p="http://schemas.microsoft.com/office/2006/metadata/properties" xmlns:xsi="http://www.w3.org/2001/XMLSchema-instance" xmlns:pc="http://schemas.microsoft.com/office/infopath/2007/PartnerControls">
+  <documentManagement>
+    <APDescription xmlns="c66daf58-3c46-4c48-8560-c485e881f7f9" xsi:nil="true"/>
+    <AssetExpire xmlns="c66daf58-3c46-4c48-8560-c485e881f7f9">2029-01-01T08:00:00+00:00</AssetExpire>
+    <CampaignTagsTaxHTField0 xmlns="c66daf58-3c46-4c48-8560-c485e881f7f9">
+      <Terms xmlns="http://schemas.microsoft.com/office/infopath/2007/PartnerControls"/>
+    </CampaignTagsTaxHTField0>
+    <IntlLangReviewDate xmlns="c66daf58-3c46-4c48-8560-c485e881f7f9" xsi:nil="true"/>
+    <TPFriendlyName xmlns="c66daf58-3c46-4c48-8560-c485e881f7f9" xsi:nil="true"/>
+    <IntlLangReview xmlns="c66daf58-3c46-4c48-8560-c485e881f7f9">false</IntlLangReview>
+    <LocLastLocAttemptVersionLookup xmlns="c66daf58-3c46-4c48-8560-c485e881f7f9">847684</LocLastLocAttemptVersionLookup>
+    <PolicheckWords xmlns="c66daf58-3c46-4c48-8560-c485e881f7f9" xsi:nil="true"/>
+    <SubmitterId xmlns="c66daf58-3c46-4c48-8560-c485e881f7f9" xsi:nil="true"/>
+    <AcquiredFrom xmlns="c66daf58-3c46-4c48-8560-c485e881f7f9">Internal MS</AcquiredFrom>
+    <EditorialStatus xmlns="c66daf58-3c46-4c48-8560-c485e881f7f9">Complete</EditorialStatus>
+    <Markets xmlns="c66daf58-3c46-4c48-8560-c485e881f7f9"/>
+    <OriginAsset xmlns="c66daf58-3c46-4c48-8560-c485e881f7f9" xsi:nil="true"/>
+    <AssetStart xmlns="c66daf58-3c46-4c48-8560-c485e881f7f9">2012-07-18T04:03:00+00:00</AssetStart>
+    <FriendlyTitle xmlns="c66daf58-3c46-4c48-8560-c485e881f7f9" xsi:nil="true"/>
+    <MarketSpecific xmlns="c66daf58-3c46-4c48-8560-c485e881f7f9">false</MarketSpecific>
+    <TPNamespace xmlns="c66daf58-3c46-4c48-8560-c485e881f7f9" xsi:nil="true"/>
+    <PublishStatusLookup xmlns="c66daf58-3c46-4c48-8560-c485e881f7f9">
+      <Value>480358</Value>
+    </PublishStatusLookup>
+    <APAuthor xmlns="c66daf58-3c46-4c48-8560-c485e881f7f9">
+      <UserInfo>
+        <DisplayName>REDMOND\kristaa</DisplayName>
+        <AccountId>136</AccountId>
+        <AccountType/>
+      </UserInfo>
+    </APAuthor>
+    <TPCommandLine xmlns="c66daf58-3c46-4c48-8560-c485e881f7f9" xsi:nil="true"/>
+    <IntlLangReviewer xmlns="c66daf58-3c46-4c48-8560-c485e881f7f9" xsi:nil="true"/>
+    <OpenTemplate xmlns="c66daf58-3c46-4c48-8560-c485e881f7f9">true</OpenTemplate>
+    <CSXSubmissionDate xmlns="c66daf58-3c46-4c48-8560-c485e881f7f9" xsi:nil="true"/>
+    <TaxCatchAll xmlns="c66daf58-3c46-4c48-8560-c485e881f7f9"/>
+    <Manager xmlns="c66daf58-3c46-4c48-8560-c485e881f7f9" xsi:nil="true"/>
+    <NumericId xmlns="c66daf58-3c46-4c48-8560-c485e881f7f9" xsi:nil="true"/>
+    <ParentAssetId xmlns="c66daf58-3c46-4c48-8560-c485e881f7f9" xsi:nil="true"/>
+    <OriginalSourceMarket xmlns="c66daf58-3c46-4c48-8560-c485e881f7f9">english</OriginalSourceMarket>
+    <ApprovalStatus xmlns="c66daf58-3c46-4c48-8560-c485e881f7f9">InProgress</ApprovalStatus>
+    <TPComponent xmlns="c66daf58-3c46-4c48-8560-c485e881f7f9" xsi:nil="true"/>
+    <EditorialTags xmlns="c66daf58-3c46-4c48-8560-c485e881f7f9" xsi:nil="true"/>
+    <TPExecutable xmlns="c66daf58-3c46-4c48-8560-c485e881f7f9" xsi:nil="true"/>
+    <TPLaunchHelpLink xmlns="c66daf58-3c46-4c48-8560-c485e881f7f9" xsi:nil="true"/>
+    <LocComments xmlns="c66daf58-3c46-4c48-8560-c485e881f7f9" xsi:nil="true"/>
+    <LocRecommendedHandoff xmlns="c66daf58-3c46-4c48-8560-c485e881f7f9" xsi:nil="true"/>
+    <SourceTitle xmlns="c66daf58-3c46-4c48-8560-c485e881f7f9" xsi:nil="true"/>
+    <CSXUpdate xmlns="c66daf58-3c46-4c48-8560-c485e881f7f9">false</CSXUpdate>
+    <IntlLocPriority xmlns="c66daf58-3c46-4c48-8560-c485e881f7f9" xsi:nil="true"/>
+    <UAProjectedTotalWords xmlns="c66daf58-3c46-4c48-8560-c485e881f7f9" xsi:nil="true"/>
+    <AssetType xmlns="c66daf58-3c46-4c48-8560-c485e881f7f9">TP</AssetType>
+    <MachineTranslated xmlns="c66daf58-3c46-4c48-8560-c485e881f7f9">false</MachineTranslated>
+    <OutputCachingOn xmlns="c66daf58-3c46-4c48-8560-c485e881f7f9">false</OutputCachingOn>
+    <TemplateStatus xmlns="c66daf58-3c46-4c48-8560-c485e881f7f9">Complete</TemplateStatus>
+    <IsSearchable xmlns="c66daf58-3c46-4c48-8560-c485e881f7f9">true</IsSearchable>
+    <ContentItem xmlns="c66daf58-3c46-4c48-8560-c485e881f7f9" xsi:nil="true"/>
+    <HandoffToMSDN xmlns="c66daf58-3c46-4c48-8560-c485e881f7f9" xsi:nil="true"/>
+    <ShowIn xmlns="c66daf58-3c46-4c48-8560-c485e881f7f9">Show everywhere</ShowIn>
+    <ThumbnailAssetId xmlns="c66daf58-3c46-4c48-8560-c485e881f7f9" xsi:nil="true"/>
+    <UALocComments xmlns="c66daf58-3c46-4c48-8560-c485e881f7f9" xsi:nil="true"/>
+    <UALocRecommendation xmlns="c66daf58-3c46-4c48-8560-c485e881f7f9">Localize</UALocRecommendation>
+    <LastModifiedDateTime xmlns="c66daf58-3c46-4c48-8560-c485e881f7f9" xsi:nil="true"/>
+    <LegacyData xmlns="c66daf58-3c46-4c48-8560-c485e881f7f9" xsi:nil="true"/>
+    <LocManualTestRequired xmlns="c66daf58-3c46-4c48-8560-c485e881f7f9">false</LocManualTestRequired>
+    <LocMarketGroupTiers2 xmlns="c66daf58-3c46-4c48-8560-c485e881f7f9" xsi:nil="true"/>
+    <ClipArtFilename xmlns="c66daf58-3c46-4c48-8560-c485e881f7f9" xsi:nil="true"/>
+    <TPApplication xmlns="c66daf58-3c46-4c48-8560-c485e881f7f9" xsi:nil="true"/>
+    <CSXHash xmlns="c66daf58-3c46-4c48-8560-c485e881f7f9" xsi:nil="true"/>
+    <DirectSourceMarket xmlns="c66daf58-3c46-4c48-8560-c485e881f7f9">english</DirectSourceMarket>
+    <PrimaryImageGen xmlns="c66daf58-3c46-4c48-8560-c485e881f7f9">true</PrimaryImageGen>
+    <PlannedPubDate xmlns="c66daf58-3c46-4c48-8560-c485e881f7f9" xsi:nil="true"/>
+    <CSXSubmissionMarket xmlns="c66daf58-3c46-4c48-8560-c485e881f7f9" xsi:nil="true"/>
+    <Downloads xmlns="c66daf58-3c46-4c48-8560-c485e881f7f9">0</Downloads>
+    <ArtSampleDocs xmlns="c66daf58-3c46-4c48-8560-c485e881f7f9" xsi:nil="true"/>
+    <TrustLevel xmlns="c66daf58-3c46-4c48-8560-c485e881f7f9">1 Microsoft Managed Content</TrustLevel>
+    <BlockPublish xmlns="c66daf58-3c46-4c48-8560-c485e881f7f9">false</BlockPublish>
+    <TPLaunchHelpLinkType xmlns="c66daf58-3c46-4c48-8560-c485e881f7f9">Template</TPLaunchHelpLinkType>
+    <LocalizationTagsTaxHTField0 xmlns="c66daf58-3c46-4c48-8560-c485e881f7f9">
+      <Terms xmlns="http://schemas.microsoft.com/office/infopath/2007/PartnerControls"/>
+    </LocalizationTagsTaxHTField0>
+    <BusinessGroup xmlns="c66daf58-3c46-4c48-8560-c485e881f7f9" xsi:nil="true"/>
+    <Providers xmlns="c66daf58-3c46-4c48-8560-c485e881f7f9" xsi:nil="true"/>
+    <TemplateTemplateType xmlns="c66daf58-3c46-4c48-8560-c485e881f7f9">PowerPoint Presentation Template</TemplateTemplateType>
+    <TimesCloned xmlns="c66daf58-3c46-4c48-8560-c485e881f7f9" xsi:nil="true"/>
+    <TPAppVersion xmlns="c66daf58-3c46-4c48-8560-c485e881f7f9" xsi:nil="true"/>
+    <VoteCount xmlns="c66daf58-3c46-4c48-8560-c485e881f7f9" xsi:nil="true"/>
+    <AverageRating xmlns="c66daf58-3c46-4c48-8560-c485e881f7f9" xsi:nil="true"/>
+    <FeatureTagsTaxHTField0 xmlns="c66daf58-3c46-4c48-8560-c485e881f7f9">
+      <Terms xmlns="http://schemas.microsoft.com/office/infopath/2007/PartnerControls"/>
+    </FeatureTagsTaxHTField0>
+    <Provider xmlns="c66daf58-3c46-4c48-8560-c485e881f7f9" xsi:nil="true"/>
+    <UACurrentWords xmlns="c66daf58-3c46-4c48-8560-c485e881f7f9" xsi:nil="true"/>
+    <AssetId xmlns="c66daf58-3c46-4c48-8560-c485e881f7f9">TP103031012</AssetId>
+    <TPClientViewer xmlns="c66daf58-3c46-4c48-8560-c485e881f7f9" xsi:nil="true"/>
+    <DSATActionTaken xmlns="c66daf58-3c46-4c48-8560-c485e881f7f9" xsi:nil="true"/>
+    <APEditor xmlns="c66daf58-3c46-4c48-8560-c485e881f7f9">
+      <UserInfo>
+        <DisplayName/>
+        <AccountId xsi:nil="true"/>
+        <AccountType/>
+      </UserInfo>
+    </APEditor>
+    <TPInstallLocation xmlns="c66daf58-3c46-4c48-8560-c485e881f7f9" xsi:nil="true"/>
+    <OOCacheId xmlns="c66daf58-3c46-4c48-8560-c485e881f7f9" xsi:nil="true"/>
+    <IsDeleted xmlns="c66daf58-3c46-4c48-8560-c485e881f7f9">false</IsDeleted>
+    <PublishTargets xmlns="c66daf58-3c46-4c48-8560-c485e881f7f9">OfficeOnlineVNext</PublishTargets>
+    <ApprovalLog xmlns="c66daf58-3c46-4c48-8560-c485e881f7f9" xsi:nil="true"/>
+    <BugNumber xmlns="c66daf58-3c46-4c48-8560-c485e881f7f9" xsi:nil="true"/>
+    <CrawlForDependencies xmlns="c66daf58-3c46-4c48-8560-c485e881f7f9">false</CrawlForDependencies>
+    <InternalTagsTaxHTField0 xmlns="c66daf58-3c46-4c48-8560-c485e881f7f9">
+      <Terms xmlns="http://schemas.microsoft.com/office/infopath/2007/PartnerControls"/>
+    </InternalTagsTaxHTField0>
+    <LastHandOff xmlns="c66daf58-3c46-4c48-8560-c485e881f7f9" xsi:nil="true"/>
+    <Milestone xmlns="c66daf58-3c46-4c48-8560-c485e881f7f9" xsi:nil="true"/>
+    <OriginalRelease xmlns="c66daf58-3c46-4c48-8560-c485e881f7f9">15</OriginalRelease>
+    <RecommendationsModifier xmlns="c66daf58-3c46-4c48-8560-c485e881f7f9" xsi:nil="true"/>
+    <ScenarioTagsTaxHTField0 xmlns="c66daf58-3c46-4c48-8560-c485e881f7f9">
+      <Terms xmlns="http://schemas.microsoft.com/office/infopath/2007/PartnerControls"/>
+    </ScenarioTagsTaxHTField0>
+    <UANotes xmlns="c66daf58-3c46-4c48-8560-c485e881f7f9" xsi:nil="true"/>
+    <Component xmlns="8e8ea6d1-e150-4704-b47c-0a92d6aed386" xsi:nil="true"/>
+    <Description0 xmlns="8e8ea6d1-e150-4704-b47c-0a92d6aed386" xsi:nil="true"/>
+  </documentManagement>
+</p:properties>
 </file>
 
-<file path=customXml/itemProps3.xml><?xml version="1.0" encoding="utf-8"?>
+<file path=customXml/itemProps1.xml><?xml version="1.0" encoding="utf-8"?>
 <ds:datastoreItem xmlns:ds="http://schemas.openxmlformats.org/officeDocument/2006/customXml" ds:itemID="{85C77690-A151-43A8-BE2F-E82FED454249}">
   <ds:schemaRefs>
     <ds:schemaRef ds:uri="http://schemas.microsoft.com/office/2006/metadata/contentType"/>
@@ -18723,4 +18581,23 @@
     <ds:schemaRef ds:uri="http://schemas.microsoft.com/internal/obd"/>
   </ds:schemaRefs>
 </ds:datastoreItem>
+</file>
+
+<file path=customXml/itemProps2.xml><?xml version="1.0" encoding="utf-8"?>
+<ds:datastoreItem xmlns:ds="http://schemas.openxmlformats.org/officeDocument/2006/customXml" ds:itemID="{27087C0F-7449-45C4-B248-63D02665BF1F}">
+  <ds:schemaRefs>
+    <ds:schemaRef ds:uri="http://schemas.microsoft.com/sharepoint/v3/contenttype/forms"/>
+  </ds:schemaRefs>
+</ds:datastoreItem>
+</file>
+
+<file path=customXml/itemProps3.xml><?xml version="1.0" encoding="utf-8"?>
+<ds:datastoreItem xmlns:ds="http://schemas.openxmlformats.org/officeDocument/2006/customXml" ds:itemID="{5B928D1E-68BA-412E-B34A-7160A7263FC7}">
+  <ds:schemaRefs>
+    <ds:schemaRef ds:uri="http://schemas.microsoft.com/office/2006/metadata/properties"/>
+    <ds:schemaRef ds:uri="http://schemas.microsoft.com/office/infopath/2007/PartnerControls"/>
+    <ds:schemaRef ds:uri="c66daf58-3c46-4c48-8560-c485e881f7f9"/>
+    <ds:schemaRef ds:uri="8e8ea6d1-e150-4704-b47c-0a92d6aed386"/>
+  </ds:schemaRefs>
+</ds:datastoreItem>
 </file>
--- a/流程介紹.pptx
+++ b/流程介紹.pptx
@@ -220,7 +220,7 @@
           <a:p>
             <a:fld id="{59041DB8-B66F-4DC8-A96E-33677E0F90FF}" type="datetimeFigureOut">
               <a:rPr lang="en-US" altLang="zh-TW" smtClean="0"/>
-              <a:t>5/2/19</a:t>
+              <a:t>5/3/19</a:t>
             </a:fld>
             <a:endParaRPr lang="zh-TW"/>
           </a:p>
@@ -384,7 +384,7 @@
           </a:lstStyle>
           <a:p>
             <a:fld id="{DEB49C4A-65AC-492D-9701-81B46C3AD0E4}" type="datetimeFigureOut">
-              <a:t>2019/5/2</a:t>
+              <a:t>2019/5/3</a:t>
             </a:fld>
             <a:endParaRPr lang="zh-TW"/>
           </a:p>
@@ -2853,7 +2853,7 @@
           <a:lstStyle/>
           <a:p>
             <a:fld id="{384A29A4-78C8-47AB-BA06-22CB45938951}" type="datetime1">
-              <a:t>2019/5/2</a:t>
+              <a:t>2019/5/3</a:t>
             </a:fld>
             <a:endParaRPr lang="zh-TW"/>
           </a:p>
@@ -3043,7 +3043,7 @@
           <a:lstStyle/>
           <a:p>
             <a:fld id="{E1ED4ACF-2D82-46F2-A8E9-23963AA34E86}" type="datetime1">
-              <a:t>2019/5/2</a:t>
+              <a:t>2019/5/3</a:t>
             </a:fld>
             <a:endParaRPr lang="zh-TW"/>
           </a:p>
@@ -3223,7 +3223,7 @@
           <a:lstStyle/>
           <a:p>
             <a:fld id="{AE374B5B-21A0-4192-BF4C-38187F1A68D8}" type="datetime1">
-              <a:t>2019/5/2</a:t>
+              <a:t>2019/5/3</a:t>
             </a:fld>
             <a:endParaRPr lang="zh-TW"/>
           </a:p>
@@ -5561,7 +5561,7 @@
           <a:lstStyle/>
           <a:p>
             <a:fld id="{33B5CF7C-B333-48E1-A4A6-83A3C8B73AC0}" type="datetime1">
-              <a:t>2019/5/2</a:t>
+              <a:t>2019/5/3</a:t>
             </a:fld>
             <a:endParaRPr lang="zh-TW"/>
           </a:p>
@@ -6011,7 +6011,7 @@
           <a:lstStyle/>
           <a:p>
             <a:fld id="{AE320762-5CBF-4210-AB54-376B091119F8}" type="datetime1">
-              <a:t>2019/5/2</a:t>
+              <a:t>2019/5/3</a:t>
             </a:fld>
             <a:endParaRPr lang="zh-TW"/>
           </a:p>
@@ -6139,7 +6139,7 @@
           <a:lstStyle/>
           <a:p>
             <a:fld id="{7F0DB371-BF5F-4058-A212-1A908E4D2674}" type="datetime1">
-              <a:t>2019/5/2</a:t>
+              <a:t>2019/5/3</a:t>
             </a:fld>
             <a:endParaRPr lang="zh-TW"/>
           </a:p>
@@ -8067,7 +8067,7 @@
           <a:lstStyle/>
           <a:p>
             <a:fld id="{60A4083B-90AA-48CF-BAD5-00AA24D7F288}" type="datetime1">
-              <a:t>2019/5/2</a:t>
+              <a:t>2019/5/3</a:t>
             </a:fld>
             <a:endParaRPr lang="zh-TW"/>
           </a:p>
@@ -10312,7 +10312,7 @@
           <a:lstStyle/>
           <a:p>
             <a:fld id="{F5BAF629-ECA2-4CF3-B790-9D9BDED98269}" type="datetime1">
-              <a:t>2019/5/2</a:t>
+              <a:t>2019/5/3</a:t>
             </a:fld>
             <a:endParaRPr lang="zh-TW"/>
           </a:p>
@@ -14541,7 +14541,7 @@
             <a:fld id="{B51B2453-8663-4C69-AF73-9FD7B1DEC5D0}" type="datetime1">
               <a:rPr lang="en-US" altLang="zh-TW" smtClean="0"/>
               <a:pPr/>
-              <a:t>5/2/19</a:t>
+              <a:t>5/3/19</a:t>
             </a:fld>
             <a:endParaRPr lang="en-US" altLang="en-US"/>
           </a:p>
@@ -16432,36 +16432,26 @@
               <a:rPr lang="zh-TW" altLang="en-US" dirty="0"/>
               <a:t>使用者輸入兩個基金，輸出基金間的相關性</a:t>
             </a:r>
+            <a:endParaRPr lang="en-US" altLang="zh-TW"/>
+          </a:p>
+          <a:p>
+            <a:pPr marL="0" indent="0">
+              <a:buNone/>
+            </a:pPr>
             <a:endParaRPr lang="en-US" altLang="zh-TW" dirty="0"/>
           </a:p>
           <a:p>
             <a:r>
-              <a:rPr lang="zh-TW" altLang="en-US" dirty="0"/>
-              <a:t>該取哪個相關係數</a:t>
+              <a:rPr lang="zh-CN" altLang="en-US" dirty="0"/>
+              <a:t>使用者可以自由選擇使用哪一相關係數</a:t>
             </a:r>
-            <a:r>
-              <a:rPr lang="en-US" altLang="zh-TW" dirty="0"/>
-              <a:t>?</a:t>
-            </a:r>
-            <a:r>
-              <a:rPr lang="zh-TW" altLang="en-US" dirty="0"/>
-              <a:t>還是綜合考量</a:t>
-            </a:r>
-            <a:r>
-              <a:rPr lang="en-US" altLang="zh-TW" dirty="0"/>
-              <a:t>?</a:t>
-            </a:r>
+            <a:endParaRPr lang="en-US" altLang="zh-TW" dirty="0"/>
           </a:p>
           <a:p>
             <a:r>
               <a:rPr lang="zh-TW" altLang="en-US" dirty="0"/>
               <a:t>多個基金</a:t>
             </a:r>
-            <a:r>
-              <a:rPr lang="en-US" altLang="zh-TW" dirty="0"/>
-              <a:t>?</a:t>
-            </a:r>
-            <a:endParaRPr lang="zh-TW" altLang="en-US" dirty="0"/>
           </a:p>
         </p:txBody>
       </p:sp>
@@ -17369,6 +17359,143 @@
 </file>
 
 <file path=customXml/item1.xml><?xml version="1.0" encoding="utf-8"?>
+<p:properties xmlns:p="http://schemas.microsoft.com/office/2006/metadata/properties" xmlns:xsi="http://www.w3.org/2001/XMLSchema-instance" xmlns:pc="http://schemas.microsoft.com/office/infopath/2007/PartnerControls">
+  <documentManagement>
+    <APDescription xmlns="c66daf58-3c46-4c48-8560-c485e881f7f9" xsi:nil="true"/>
+    <AssetExpire xmlns="c66daf58-3c46-4c48-8560-c485e881f7f9">2029-01-01T08:00:00+00:00</AssetExpire>
+    <CampaignTagsTaxHTField0 xmlns="c66daf58-3c46-4c48-8560-c485e881f7f9">
+      <Terms xmlns="http://schemas.microsoft.com/office/infopath/2007/PartnerControls"/>
+    </CampaignTagsTaxHTField0>
+    <IntlLangReviewDate xmlns="c66daf58-3c46-4c48-8560-c485e881f7f9" xsi:nil="true"/>
+    <TPFriendlyName xmlns="c66daf58-3c46-4c48-8560-c485e881f7f9" xsi:nil="true"/>
+    <IntlLangReview xmlns="c66daf58-3c46-4c48-8560-c485e881f7f9">false</IntlLangReview>
+    <LocLastLocAttemptVersionLookup xmlns="c66daf58-3c46-4c48-8560-c485e881f7f9">847684</LocLastLocAttemptVersionLookup>
+    <PolicheckWords xmlns="c66daf58-3c46-4c48-8560-c485e881f7f9" xsi:nil="true"/>
+    <SubmitterId xmlns="c66daf58-3c46-4c48-8560-c485e881f7f9" xsi:nil="true"/>
+    <AcquiredFrom xmlns="c66daf58-3c46-4c48-8560-c485e881f7f9">Internal MS</AcquiredFrom>
+    <EditorialStatus xmlns="c66daf58-3c46-4c48-8560-c485e881f7f9">Complete</EditorialStatus>
+    <Markets xmlns="c66daf58-3c46-4c48-8560-c485e881f7f9"/>
+    <OriginAsset xmlns="c66daf58-3c46-4c48-8560-c485e881f7f9" xsi:nil="true"/>
+    <AssetStart xmlns="c66daf58-3c46-4c48-8560-c485e881f7f9">2012-07-18T04:03:00+00:00</AssetStart>
+    <FriendlyTitle xmlns="c66daf58-3c46-4c48-8560-c485e881f7f9" xsi:nil="true"/>
+    <MarketSpecific xmlns="c66daf58-3c46-4c48-8560-c485e881f7f9">false</MarketSpecific>
+    <TPNamespace xmlns="c66daf58-3c46-4c48-8560-c485e881f7f9" xsi:nil="true"/>
+    <PublishStatusLookup xmlns="c66daf58-3c46-4c48-8560-c485e881f7f9">
+      <Value>480358</Value>
+    </PublishStatusLookup>
+    <APAuthor xmlns="c66daf58-3c46-4c48-8560-c485e881f7f9">
+      <UserInfo>
+        <DisplayName>REDMOND\kristaa</DisplayName>
+        <AccountId>136</AccountId>
+        <AccountType/>
+      </UserInfo>
+    </APAuthor>
+    <TPCommandLine xmlns="c66daf58-3c46-4c48-8560-c485e881f7f9" xsi:nil="true"/>
+    <IntlLangReviewer xmlns="c66daf58-3c46-4c48-8560-c485e881f7f9" xsi:nil="true"/>
+    <OpenTemplate xmlns="c66daf58-3c46-4c48-8560-c485e881f7f9">true</OpenTemplate>
+    <CSXSubmissionDate xmlns="c66daf58-3c46-4c48-8560-c485e881f7f9" xsi:nil="true"/>
+    <TaxCatchAll xmlns="c66daf58-3c46-4c48-8560-c485e881f7f9"/>
+    <Manager xmlns="c66daf58-3c46-4c48-8560-c485e881f7f9" xsi:nil="true"/>
+    <NumericId xmlns="c66daf58-3c46-4c48-8560-c485e881f7f9" xsi:nil="true"/>
+    <ParentAssetId xmlns="c66daf58-3c46-4c48-8560-c485e881f7f9" xsi:nil="true"/>
+    <OriginalSourceMarket xmlns="c66daf58-3c46-4c48-8560-c485e881f7f9">english</OriginalSourceMarket>
+    <ApprovalStatus xmlns="c66daf58-3c46-4c48-8560-c485e881f7f9">InProgress</ApprovalStatus>
+    <TPComponent xmlns="c66daf58-3c46-4c48-8560-c485e881f7f9" xsi:nil="true"/>
+    <EditorialTags xmlns="c66daf58-3c46-4c48-8560-c485e881f7f9" xsi:nil="true"/>
+    <TPExecutable xmlns="c66daf58-3c46-4c48-8560-c485e881f7f9" xsi:nil="true"/>
+    <TPLaunchHelpLink xmlns="c66daf58-3c46-4c48-8560-c485e881f7f9" xsi:nil="true"/>
+    <LocComments xmlns="c66daf58-3c46-4c48-8560-c485e881f7f9" xsi:nil="true"/>
+    <LocRecommendedHandoff xmlns="c66daf58-3c46-4c48-8560-c485e881f7f9" xsi:nil="true"/>
+    <SourceTitle xmlns="c66daf58-3c46-4c48-8560-c485e881f7f9" xsi:nil="true"/>
+    <CSXUpdate xmlns="c66daf58-3c46-4c48-8560-c485e881f7f9">false</CSXUpdate>
+    <IntlLocPriority xmlns="c66daf58-3c46-4c48-8560-c485e881f7f9" xsi:nil="true"/>
+    <UAProjectedTotalWords xmlns="c66daf58-3c46-4c48-8560-c485e881f7f9" xsi:nil="true"/>
+    <AssetType xmlns="c66daf58-3c46-4c48-8560-c485e881f7f9">TP</AssetType>
+    <MachineTranslated xmlns="c66daf58-3c46-4c48-8560-c485e881f7f9">false</MachineTranslated>
+    <OutputCachingOn xmlns="c66daf58-3c46-4c48-8560-c485e881f7f9">false</OutputCachingOn>
+    <TemplateStatus xmlns="c66daf58-3c46-4c48-8560-c485e881f7f9">Complete</TemplateStatus>
+    <IsSearchable xmlns="c66daf58-3c46-4c48-8560-c485e881f7f9">true</IsSearchable>
+    <ContentItem xmlns="c66daf58-3c46-4c48-8560-c485e881f7f9" xsi:nil="true"/>
+    <HandoffToMSDN xmlns="c66daf58-3c46-4c48-8560-c485e881f7f9" xsi:nil="true"/>
+    <ShowIn xmlns="c66daf58-3c46-4c48-8560-c485e881f7f9">Show everywhere</ShowIn>
+    <ThumbnailAssetId xmlns="c66daf58-3c46-4c48-8560-c485e881f7f9" xsi:nil="true"/>
+    <UALocComments xmlns="c66daf58-3c46-4c48-8560-c485e881f7f9" xsi:nil="true"/>
+    <UALocRecommendation xmlns="c66daf58-3c46-4c48-8560-c485e881f7f9">Localize</UALocRecommendation>
+    <LastModifiedDateTime xmlns="c66daf58-3c46-4c48-8560-c485e881f7f9" xsi:nil="true"/>
+    <LegacyData xmlns="c66daf58-3c46-4c48-8560-c485e881f7f9" xsi:nil="true"/>
+    <LocManualTestRequired xmlns="c66daf58-3c46-4c48-8560-c485e881f7f9">false</LocManualTestRequired>
+    <LocMarketGroupTiers2 xmlns="c66daf58-3c46-4c48-8560-c485e881f7f9" xsi:nil="true"/>
+    <ClipArtFilename xmlns="c66daf58-3c46-4c48-8560-c485e881f7f9" xsi:nil="true"/>
+    <TPApplication xmlns="c66daf58-3c46-4c48-8560-c485e881f7f9" xsi:nil="true"/>
+    <CSXHash xmlns="c66daf58-3c46-4c48-8560-c485e881f7f9" xsi:nil="true"/>
+    <DirectSourceMarket xmlns="c66daf58-3c46-4c48-8560-c485e881f7f9">english</DirectSourceMarket>
+    <PrimaryImageGen xmlns="c66daf58-3c46-4c48-8560-c485e881f7f9">true</PrimaryImageGen>
+    <PlannedPubDate xmlns="c66daf58-3c46-4c48-8560-c485e881f7f9" xsi:nil="true"/>
+    <CSXSubmissionMarket xmlns="c66daf58-3c46-4c48-8560-c485e881f7f9" xsi:nil="true"/>
+    <Downloads xmlns="c66daf58-3c46-4c48-8560-c485e881f7f9">0</Downloads>
+    <ArtSampleDocs xmlns="c66daf58-3c46-4c48-8560-c485e881f7f9" xsi:nil="true"/>
+    <TrustLevel xmlns="c66daf58-3c46-4c48-8560-c485e881f7f9">1 Microsoft Managed Content</TrustLevel>
+    <BlockPublish xmlns="c66daf58-3c46-4c48-8560-c485e881f7f9">false</BlockPublish>
+    <TPLaunchHelpLinkType xmlns="c66daf58-3c46-4c48-8560-c485e881f7f9">Template</TPLaunchHelpLinkType>
+    <LocalizationTagsTaxHTField0 xmlns="c66daf58-3c46-4c48-8560-c485e881f7f9">
+      <Terms xmlns="http://schemas.microsoft.com/office/infopath/2007/PartnerControls"/>
+    </LocalizationTagsTaxHTField0>
+    <BusinessGroup xmlns="c66daf58-3c46-4c48-8560-c485e881f7f9" xsi:nil="true"/>
+    <Providers xmlns="c66daf58-3c46-4c48-8560-c485e881f7f9" xsi:nil="true"/>
+    <TemplateTemplateType xmlns="c66daf58-3c46-4c48-8560-c485e881f7f9">PowerPoint Presentation Template</TemplateTemplateType>
+    <TimesCloned xmlns="c66daf58-3c46-4c48-8560-c485e881f7f9" xsi:nil="true"/>
+    <TPAppVersion xmlns="c66daf58-3c46-4c48-8560-c485e881f7f9" xsi:nil="true"/>
+    <VoteCount xmlns="c66daf58-3c46-4c48-8560-c485e881f7f9" xsi:nil="true"/>
+    <AverageRating xmlns="c66daf58-3c46-4c48-8560-c485e881f7f9" xsi:nil="true"/>
+    <FeatureTagsTaxHTField0 xmlns="c66daf58-3c46-4c48-8560-c485e881f7f9">
+      <Terms xmlns="http://schemas.microsoft.com/office/infopath/2007/PartnerControls"/>
+    </FeatureTagsTaxHTField0>
+    <Provider xmlns="c66daf58-3c46-4c48-8560-c485e881f7f9" xsi:nil="true"/>
+    <UACurrentWords xmlns="c66daf58-3c46-4c48-8560-c485e881f7f9" xsi:nil="true"/>
+    <AssetId xmlns="c66daf58-3c46-4c48-8560-c485e881f7f9">TP103031012</AssetId>
+    <TPClientViewer xmlns="c66daf58-3c46-4c48-8560-c485e881f7f9" xsi:nil="true"/>
+    <DSATActionTaken xmlns="c66daf58-3c46-4c48-8560-c485e881f7f9" xsi:nil="true"/>
+    <APEditor xmlns="c66daf58-3c46-4c48-8560-c485e881f7f9">
+      <UserInfo>
+        <DisplayName/>
+        <AccountId xsi:nil="true"/>
+        <AccountType/>
+      </UserInfo>
+    </APEditor>
+    <TPInstallLocation xmlns="c66daf58-3c46-4c48-8560-c485e881f7f9" xsi:nil="true"/>
+    <OOCacheId xmlns="c66daf58-3c46-4c48-8560-c485e881f7f9" xsi:nil="true"/>
+    <IsDeleted xmlns="c66daf58-3c46-4c48-8560-c485e881f7f9">false</IsDeleted>
+    <PublishTargets xmlns="c66daf58-3c46-4c48-8560-c485e881f7f9">OfficeOnlineVNext</PublishTargets>
+    <ApprovalLog xmlns="c66daf58-3c46-4c48-8560-c485e881f7f9" xsi:nil="true"/>
+    <BugNumber xmlns="c66daf58-3c46-4c48-8560-c485e881f7f9" xsi:nil="true"/>
+    <CrawlForDependencies xmlns="c66daf58-3c46-4c48-8560-c485e881f7f9">false</CrawlForDependencies>
+    <InternalTagsTaxHTField0 xmlns="c66daf58-3c46-4c48-8560-c485e881f7f9">
+      <Terms xmlns="http://schemas.microsoft.com/office/infopath/2007/PartnerControls"/>
+    </InternalTagsTaxHTField0>
+    <LastHandOff xmlns="c66daf58-3c46-4c48-8560-c485e881f7f9" xsi:nil="true"/>
+    <Milestone xmlns="c66daf58-3c46-4c48-8560-c485e881f7f9" xsi:nil="true"/>
+    <OriginalRelease xmlns="c66daf58-3c46-4c48-8560-c485e881f7f9">15</OriginalRelease>
+    <RecommendationsModifier xmlns="c66daf58-3c46-4c48-8560-c485e881f7f9" xsi:nil="true"/>
+    <ScenarioTagsTaxHTField0 xmlns="c66daf58-3c46-4c48-8560-c485e881f7f9">
+      <Terms xmlns="http://schemas.microsoft.com/office/infopath/2007/PartnerControls"/>
+    </ScenarioTagsTaxHTField0>
+    <UANotes xmlns="c66daf58-3c46-4c48-8560-c485e881f7f9" xsi:nil="true"/>
+    <Component xmlns="8e8ea6d1-e150-4704-b47c-0a92d6aed386" xsi:nil="true"/>
+    <Description0 xmlns="8e8ea6d1-e150-4704-b47c-0a92d6aed386" xsi:nil="true"/>
+  </documentManagement>
+</p:properties>
+</file>
+
+<file path=customXml/item2.xml><?xml version="1.0" encoding="utf-8"?>
+<?mso-contentType ?>
+<FormTemplates xmlns="http://schemas.microsoft.com/sharepoint/v3/contenttype/forms">
+  <Display>DocumentLibraryForm</Display>
+  <Edit>AssetEditForm</Edit>
+  <New>DocumentLibraryForm</New>
+</FormTemplates>
+</file>
+
+<file path=customXml/item3.xml><?xml version="1.0" encoding="utf-8"?>
 <ct:contentTypeSchema xmlns:ct="http://schemas.microsoft.com/office/2006/metadata/contentType" xmlns:ma="http://schemas.microsoft.com/office/2006/metadata/properties/metaAttributes" ct:_="" ma:_="" ma:contentTypeName="TemplateFile" ma:contentTypeID="0x0101009D4095AFEE790E42B52CF3AD35B999BF040086E71550AC00CE488731BAE03648ABFB" ma:contentTypeVersion="69" ma:contentTypeDescription="Create a new document." ma:contentTypeScope="" ma:versionID="19c8e0d4ec850202fc84bb6df7d27d5a">
   <xsd:schema xmlns:xsd="http://www.w3.org/2001/XMLSchema" xmlns:xs="http://www.w3.org/2001/XMLSchema" xmlns:p="http://schemas.microsoft.com/office/2006/metadata/properties" xmlns:ns2="c66daf58-3c46-4c48-8560-c485e881f7f9" xmlns:ns3="8e8ea6d1-e150-4704-b47c-0a92d6aed386" targetNamespace="http://schemas.microsoft.com/office/2006/metadata/properties" ma:root="true" ma:fieldsID="61474f05e94678c8e4bfc6326c72eb04" ns2:_="" ns3:_="">
     <xsd:import namespace="c66daf58-3c46-4c48-8560-c485e881f7f9"/>
@@ -18427,144 +18554,26 @@
 </ct:contentTypeSchema>
 </file>
 
-<file path=customXml/item2.xml><?xml version="1.0" encoding="utf-8"?>
-<?mso-contentType ?>
-<FormTemplates xmlns="http://schemas.microsoft.com/sharepoint/v3/contenttype/forms">
-  <Display>DocumentLibraryForm</Display>
-  <Edit>AssetEditForm</Edit>
-  <New>DocumentLibraryForm</New>
-</FormTemplates>
+<file path=customXml/itemProps1.xml><?xml version="1.0" encoding="utf-8"?>
+<ds:datastoreItem xmlns:ds="http://schemas.openxmlformats.org/officeDocument/2006/customXml" ds:itemID="{5B928D1E-68BA-412E-B34A-7160A7263FC7}">
+  <ds:schemaRefs>
+    <ds:schemaRef ds:uri="http://schemas.microsoft.com/office/2006/metadata/properties"/>
+    <ds:schemaRef ds:uri="http://schemas.microsoft.com/office/infopath/2007/PartnerControls"/>
+    <ds:schemaRef ds:uri="c66daf58-3c46-4c48-8560-c485e881f7f9"/>
+    <ds:schemaRef ds:uri="8e8ea6d1-e150-4704-b47c-0a92d6aed386"/>
+  </ds:schemaRefs>
+</ds:datastoreItem>
 </file>
 
-<file path=customXml/item3.xml><?xml version="1.0" encoding="utf-8"?>
-<p:properties xmlns:p="http://schemas.microsoft.com/office/2006/metadata/properties" xmlns:xsi="http://www.w3.org/2001/XMLSchema-instance" xmlns:pc="http://schemas.microsoft.com/office/infopath/2007/PartnerControls">
-  <documentManagement>
-    <APDescription xmlns="c66daf58-3c46-4c48-8560-c485e881f7f9" xsi:nil="true"/>
-    <AssetExpire xmlns="c66daf58-3c46-4c48-8560-c485e881f7f9">2029-01-01T08:00:00+00:00</AssetExpire>
-    <CampaignTagsTaxHTField0 xmlns="c66daf58-3c46-4c48-8560-c485e881f7f9">
-      <Terms xmlns="http://schemas.microsoft.com/office/infopath/2007/PartnerControls"/>
-    </CampaignTagsTaxHTField0>
-    <IntlLangReviewDate xmlns="c66daf58-3c46-4c48-8560-c485e881f7f9" xsi:nil="true"/>
-    <TPFriendlyName xmlns="c66daf58-3c46-4c48-8560-c485e881f7f9" xsi:nil="true"/>
-    <IntlLangReview xmlns="c66daf58-3c46-4c48-8560-c485e881f7f9">false</IntlLangReview>
-    <LocLastLocAttemptVersionLookup xmlns="c66daf58-3c46-4c48-8560-c485e881f7f9">847684</LocLastLocAttemptVersionLookup>
-    <PolicheckWords xmlns="c66daf58-3c46-4c48-8560-c485e881f7f9" xsi:nil="true"/>
-    <SubmitterId xmlns="c66daf58-3c46-4c48-8560-c485e881f7f9" xsi:nil="true"/>
-    <AcquiredFrom xmlns="c66daf58-3c46-4c48-8560-c485e881f7f9">Internal MS</AcquiredFrom>
-    <EditorialStatus xmlns="c66daf58-3c46-4c48-8560-c485e881f7f9">Complete</EditorialStatus>
-    <Markets xmlns="c66daf58-3c46-4c48-8560-c485e881f7f9"/>
-    <OriginAsset xmlns="c66daf58-3c46-4c48-8560-c485e881f7f9" xsi:nil="true"/>
-    <AssetStart xmlns="c66daf58-3c46-4c48-8560-c485e881f7f9">2012-07-18T04:03:00+00:00</AssetStart>
-    <FriendlyTitle xmlns="c66daf58-3c46-4c48-8560-c485e881f7f9" xsi:nil="true"/>
-    <MarketSpecific xmlns="c66daf58-3c46-4c48-8560-c485e881f7f9">false</MarketSpecific>
-    <TPNamespace xmlns="c66daf58-3c46-4c48-8560-c485e881f7f9" xsi:nil="true"/>
-    <PublishStatusLookup xmlns="c66daf58-3c46-4c48-8560-c485e881f7f9">
-      <Value>480358</Value>
-    </PublishStatusLookup>
-    <APAuthor xmlns="c66daf58-3c46-4c48-8560-c485e881f7f9">
-      <UserInfo>
-        <DisplayName>REDMOND\kristaa</DisplayName>
-        <AccountId>136</AccountId>
-        <AccountType/>
-      </UserInfo>
-    </APAuthor>
-    <TPCommandLine xmlns="c66daf58-3c46-4c48-8560-c485e881f7f9" xsi:nil="true"/>
-    <IntlLangReviewer xmlns="c66daf58-3c46-4c48-8560-c485e881f7f9" xsi:nil="true"/>
-    <OpenTemplate xmlns="c66daf58-3c46-4c48-8560-c485e881f7f9">true</OpenTemplate>
-    <CSXSubmissionDate xmlns="c66daf58-3c46-4c48-8560-c485e881f7f9" xsi:nil="true"/>
-    <TaxCatchAll xmlns="c66daf58-3c46-4c48-8560-c485e881f7f9"/>
-    <Manager xmlns="c66daf58-3c46-4c48-8560-c485e881f7f9" xsi:nil="true"/>
-    <NumericId xmlns="c66daf58-3c46-4c48-8560-c485e881f7f9" xsi:nil="true"/>
-    <ParentAssetId xmlns="c66daf58-3c46-4c48-8560-c485e881f7f9" xsi:nil="true"/>
-    <OriginalSourceMarket xmlns="c66daf58-3c46-4c48-8560-c485e881f7f9">english</OriginalSourceMarket>
-    <ApprovalStatus xmlns="c66daf58-3c46-4c48-8560-c485e881f7f9">InProgress</ApprovalStatus>
-    <TPComponent xmlns="c66daf58-3c46-4c48-8560-c485e881f7f9" xsi:nil="true"/>
-    <EditorialTags xmlns="c66daf58-3c46-4c48-8560-c485e881f7f9" xsi:nil="true"/>
-    <TPExecutable xmlns="c66daf58-3c46-4c48-8560-c485e881f7f9" xsi:nil="true"/>
-    <TPLaunchHelpLink xmlns="c66daf58-3c46-4c48-8560-c485e881f7f9" xsi:nil="true"/>
-    <LocComments xmlns="c66daf58-3c46-4c48-8560-c485e881f7f9" xsi:nil="true"/>
-    <LocRecommendedHandoff xmlns="c66daf58-3c46-4c48-8560-c485e881f7f9" xsi:nil="true"/>
-    <SourceTitle xmlns="c66daf58-3c46-4c48-8560-c485e881f7f9" xsi:nil="true"/>
-    <CSXUpdate xmlns="c66daf58-3c46-4c48-8560-c485e881f7f9">false</CSXUpdate>
-    <IntlLocPriority xmlns="c66daf58-3c46-4c48-8560-c485e881f7f9" xsi:nil="true"/>
-    <UAProjectedTotalWords xmlns="c66daf58-3c46-4c48-8560-c485e881f7f9" xsi:nil="true"/>
-    <AssetType xmlns="c66daf58-3c46-4c48-8560-c485e881f7f9">TP</AssetType>
-    <MachineTranslated xmlns="c66daf58-3c46-4c48-8560-c485e881f7f9">false</MachineTranslated>
-    <OutputCachingOn xmlns="c66daf58-3c46-4c48-8560-c485e881f7f9">false</OutputCachingOn>
-    <TemplateStatus xmlns="c66daf58-3c46-4c48-8560-c485e881f7f9">Complete</TemplateStatus>
-    <IsSearchable xmlns="c66daf58-3c46-4c48-8560-c485e881f7f9">true</IsSearchable>
-    <ContentItem xmlns="c66daf58-3c46-4c48-8560-c485e881f7f9" xsi:nil="true"/>
-    <HandoffToMSDN xmlns="c66daf58-3c46-4c48-8560-c485e881f7f9" xsi:nil="true"/>
-    <ShowIn xmlns="c66daf58-3c46-4c48-8560-c485e881f7f9">Show everywhere</ShowIn>
-    <ThumbnailAssetId xmlns="c66daf58-3c46-4c48-8560-c485e881f7f9" xsi:nil="true"/>
-    <UALocComments xmlns="c66daf58-3c46-4c48-8560-c485e881f7f9" xsi:nil="true"/>
-    <UALocRecommendation xmlns="c66daf58-3c46-4c48-8560-c485e881f7f9">Localize</UALocRecommendation>
-    <LastModifiedDateTime xmlns="c66daf58-3c46-4c48-8560-c485e881f7f9" xsi:nil="true"/>
-    <LegacyData xmlns="c66daf58-3c46-4c48-8560-c485e881f7f9" xsi:nil="true"/>
-    <LocManualTestRequired xmlns="c66daf58-3c46-4c48-8560-c485e881f7f9">false</LocManualTestRequired>
-    <LocMarketGroupTiers2 xmlns="c66daf58-3c46-4c48-8560-c485e881f7f9" xsi:nil="true"/>
-    <ClipArtFilename xmlns="c66daf58-3c46-4c48-8560-c485e881f7f9" xsi:nil="true"/>
-    <TPApplication xmlns="c66daf58-3c46-4c48-8560-c485e881f7f9" xsi:nil="true"/>
-    <CSXHash xmlns="c66daf58-3c46-4c48-8560-c485e881f7f9" xsi:nil="true"/>
-    <DirectSourceMarket xmlns="c66daf58-3c46-4c48-8560-c485e881f7f9">english</DirectSourceMarket>
-    <PrimaryImageGen xmlns="c66daf58-3c46-4c48-8560-c485e881f7f9">true</PrimaryImageGen>
-    <PlannedPubDate xmlns="c66daf58-3c46-4c48-8560-c485e881f7f9" xsi:nil="true"/>
-    <CSXSubmissionMarket xmlns="c66daf58-3c46-4c48-8560-c485e881f7f9" xsi:nil="true"/>
-    <Downloads xmlns="c66daf58-3c46-4c48-8560-c485e881f7f9">0</Downloads>
-    <ArtSampleDocs xmlns="c66daf58-3c46-4c48-8560-c485e881f7f9" xsi:nil="true"/>
-    <TrustLevel xmlns="c66daf58-3c46-4c48-8560-c485e881f7f9">1 Microsoft Managed Content</TrustLevel>
-    <BlockPublish xmlns="c66daf58-3c46-4c48-8560-c485e881f7f9">false</BlockPublish>
-    <TPLaunchHelpLinkType xmlns="c66daf58-3c46-4c48-8560-c485e881f7f9">Template</TPLaunchHelpLinkType>
-    <LocalizationTagsTaxHTField0 xmlns="c66daf58-3c46-4c48-8560-c485e881f7f9">
-      <Terms xmlns="http://schemas.microsoft.com/office/infopath/2007/PartnerControls"/>
-    </LocalizationTagsTaxHTField0>
-    <BusinessGroup xmlns="c66daf58-3c46-4c48-8560-c485e881f7f9" xsi:nil="true"/>
-    <Providers xmlns="c66daf58-3c46-4c48-8560-c485e881f7f9" xsi:nil="true"/>
-    <TemplateTemplateType xmlns="c66daf58-3c46-4c48-8560-c485e881f7f9">PowerPoint Presentation Template</TemplateTemplateType>
-    <TimesCloned xmlns="c66daf58-3c46-4c48-8560-c485e881f7f9" xsi:nil="true"/>
-    <TPAppVersion xmlns="c66daf58-3c46-4c48-8560-c485e881f7f9" xsi:nil="true"/>
-    <VoteCount xmlns="c66daf58-3c46-4c48-8560-c485e881f7f9" xsi:nil="true"/>
-    <AverageRating xmlns="c66daf58-3c46-4c48-8560-c485e881f7f9" xsi:nil="true"/>
-    <FeatureTagsTaxHTField0 xmlns="c66daf58-3c46-4c48-8560-c485e881f7f9">
-      <Terms xmlns="http://schemas.microsoft.com/office/infopath/2007/PartnerControls"/>
-    </FeatureTagsTaxHTField0>
-    <Provider xmlns="c66daf58-3c46-4c48-8560-c485e881f7f9" xsi:nil="true"/>
-    <UACurrentWords xmlns="c66daf58-3c46-4c48-8560-c485e881f7f9" xsi:nil="true"/>
-    <AssetId xmlns="c66daf58-3c46-4c48-8560-c485e881f7f9">TP103031012</AssetId>
-    <TPClientViewer xmlns="c66daf58-3c46-4c48-8560-c485e881f7f9" xsi:nil="true"/>
-    <DSATActionTaken xmlns="c66daf58-3c46-4c48-8560-c485e881f7f9" xsi:nil="true"/>
-    <APEditor xmlns="c66daf58-3c46-4c48-8560-c485e881f7f9">
-      <UserInfo>
-        <DisplayName/>
-        <AccountId xsi:nil="true"/>
-        <AccountType/>
-      </UserInfo>
-    </APEditor>
-    <TPInstallLocation xmlns="c66daf58-3c46-4c48-8560-c485e881f7f9" xsi:nil="true"/>
-    <OOCacheId xmlns="c66daf58-3c46-4c48-8560-c485e881f7f9" xsi:nil="true"/>
-    <IsDeleted xmlns="c66daf58-3c46-4c48-8560-c485e881f7f9">false</IsDeleted>
-    <PublishTargets xmlns="c66daf58-3c46-4c48-8560-c485e881f7f9">OfficeOnlineVNext</PublishTargets>
-    <ApprovalLog xmlns="c66daf58-3c46-4c48-8560-c485e881f7f9" xsi:nil="true"/>
-    <BugNumber xmlns="c66daf58-3c46-4c48-8560-c485e881f7f9" xsi:nil="true"/>
-    <CrawlForDependencies xmlns="c66daf58-3c46-4c48-8560-c485e881f7f9">false</CrawlForDependencies>
-    <InternalTagsTaxHTField0 xmlns="c66daf58-3c46-4c48-8560-c485e881f7f9">
-      <Terms xmlns="http://schemas.microsoft.com/office/infopath/2007/PartnerControls"/>
-    </InternalTagsTaxHTField0>
-    <LastHandOff xmlns="c66daf58-3c46-4c48-8560-c485e881f7f9" xsi:nil="true"/>
-    <Milestone xmlns="c66daf58-3c46-4c48-8560-c485e881f7f9" xsi:nil="true"/>
-    <OriginalRelease xmlns="c66daf58-3c46-4c48-8560-c485e881f7f9">15</OriginalRelease>
-    <RecommendationsModifier xmlns="c66daf58-3c46-4c48-8560-c485e881f7f9" xsi:nil="true"/>
-    <ScenarioTagsTaxHTField0 xmlns="c66daf58-3c46-4c48-8560-c485e881f7f9">
-      <Terms xmlns="http://schemas.microsoft.com/office/infopath/2007/PartnerControls"/>
-    </ScenarioTagsTaxHTField0>
-    <UANotes xmlns="c66daf58-3c46-4c48-8560-c485e881f7f9" xsi:nil="true"/>
-    <Component xmlns="8e8ea6d1-e150-4704-b47c-0a92d6aed386" xsi:nil="true"/>
-    <Description0 xmlns="8e8ea6d1-e150-4704-b47c-0a92d6aed386" xsi:nil="true"/>
-  </documentManagement>
-</p:properties>
+<file path=customXml/itemProps2.xml><?xml version="1.0" encoding="utf-8"?>
+<ds:datastoreItem xmlns:ds="http://schemas.openxmlformats.org/officeDocument/2006/customXml" ds:itemID="{27087C0F-7449-45C4-B248-63D02665BF1F}">
+  <ds:schemaRefs>
+    <ds:schemaRef ds:uri="http://schemas.microsoft.com/sharepoint/v3/contenttype/forms"/>
+  </ds:schemaRefs>
+</ds:datastoreItem>
 </file>
 
-<file path=customXml/itemProps1.xml><?xml version="1.0" encoding="utf-8"?>
+<file path=customXml/itemProps3.xml><?xml version="1.0" encoding="utf-8"?>
 <ds:datastoreItem xmlns:ds="http://schemas.openxmlformats.org/officeDocument/2006/customXml" ds:itemID="{85C77690-A151-43A8-BE2F-E82FED454249}">
   <ds:schemaRefs>
     <ds:schemaRef ds:uri="http://schemas.microsoft.com/office/2006/metadata/contentType"/>
@@ -18581,23 +18590,4 @@
     <ds:schemaRef ds:uri="http://schemas.microsoft.com/internal/obd"/>
   </ds:schemaRefs>
 </ds:datastoreItem>
-</file>
-
-<file path=customXml/itemProps2.xml><?xml version="1.0" encoding="utf-8"?>
-<ds:datastoreItem xmlns:ds="http://schemas.openxmlformats.org/officeDocument/2006/customXml" ds:itemID="{27087C0F-7449-45C4-B248-63D02665BF1F}">
-  <ds:schemaRefs>
-    <ds:schemaRef ds:uri="http://schemas.microsoft.com/sharepoint/v3/contenttype/forms"/>
-  </ds:schemaRefs>
-</ds:datastoreItem>
-</file>
-
-<file path=customXml/itemProps3.xml><?xml version="1.0" encoding="utf-8"?>
-<ds:datastoreItem xmlns:ds="http://schemas.openxmlformats.org/officeDocument/2006/customXml" ds:itemID="{5B928D1E-68BA-412E-B34A-7160A7263FC7}">
-  <ds:schemaRefs>
-    <ds:schemaRef ds:uri="http://schemas.microsoft.com/office/2006/metadata/properties"/>
-    <ds:schemaRef ds:uri="http://schemas.microsoft.com/office/infopath/2007/PartnerControls"/>
-    <ds:schemaRef ds:uri="c66daf58-3c46-4c48-8560-c485e881f7f9"/>
-    <ds:schemaRef ds:uri="8e8ea6d1-e150-4704-b47c-0a92d6aed386"/>
-  </ds:schemaRefs>
-</ds:datastoreItem>
 </file>
--- a/流程介紹.pptx
+++ b/流程介紹.pptx
@@ -15067,10 +15067,10 @@
           <a:lstStyle/>
           <a:p>
             <a:r>
-              <a:rPr lang="zh-TW" altLang="en-US" sz="7200" dirty="0"/>
-              <a:t>期末報告分析流程提案</a:t>
+              <a:rPr lang="zh-TW" altLang="en-US" sz="4800" dirty="0"/>
+              <a:t>第十五組</a:t>
             </a:r>
-            <a:endParaRPr lang="zh-TW" sz="7200" dirty="0"/>
+            <a:endParaRPr lang="zh-TW" sz="4800" dirty="0"/>
           </a:p>
         </p:txBody>
       </p:sp>
@@ -17487,15 +17487,6 @@
 </file>
 
 <file path=customXml/item2.xml><?xml version="1.0" encoding="utf-8"?>
-<?mso-contentType ?>
-<FormTemplates xmlns="http://schemas.microsoft.com/sharepoint/v3/contenttype/forms">
-  <Display>DocumentLibraryForm</Display>
-  <Edit>AssetEditForm</Edit>
-  <New>DocumentLibraryForm</New>
-</FormTemplates>
-</file>
-
-<file path=customXml/item3.xml><?xml version="1.0" encoding="utf-8"?>
 <ct:contentTypeSchema xmlns:ct="http://schemas.microsoft.com/office/2006/metadata/contentType" xmlns:ma="http://schemas.microsoft.com/office/2006/metadata/properties/metaAttributes" ct:_="" ma:_="" ma:contentTypeName="TemplateFile" ma:contentTypeID="0x0101009D4095AFEE790E42B52CF3AD35B999BF040086E71550AC00CE488731BAE03648ABFB" ma:contentTypeVersion="69" ma:contentTypeDescription="Create a new document." ma:contentTypeScope="" ma:versionID="19c8e0d4ec850202fc84bb6df7d27d5a">
   <xsd:schema xmlns:xsd="http://www.w3.org/2001/XMLSchema" xmlns:xs="http://www.w3.org/2001/XMLSchema" xmlns:p="http://schemas.microsoft.com/office/2006/metadata/properties" xmlns:ns2="c66daf58-3c46-4c48-8560-c485e881f7f9" xmlns:ns3="8e8ea6d1-e150-4704-b47c-0a92d6aed386" targetNamespace="http://schemas.microsoft.com/office/2006/metadata/properties" ma:root="true" ma:fieldsID="61474f05e94678c8e4bfc6326c72eb04" ns2:_="" ns3:_="">
     <xsd:import namespace="c66daf58-3c46-4c48-8560-c485e881f7f9"/>
@@ -18554,6 +18545,15 @@
 </ct:contentTypeSchema>
 </file>
 
+<file path=customXml/item3.xml><?xml version="1.0" encoding="utf-8"?>
+<?mso-contentType ?>
+<FormTemplates xmlns="http://schemas.microsoft.com/sharepoint/v3/contenttype/forms">
+  <Display>DocumentLibraryForm</Display>
+  <Edit>AssetEditForm</Edit>
+  <New>DocumentLibraryForm</New>
+</FormTemplates>
+</file>
+
 <file path=customXml/itemProps1.xml><?xml version="1.0" encoding="utf-8"?>
 <ds:datastoreItem xmlns:ds="http://schemas.openxmlformats.org/officeDocument/2006/customXml" ds:itemID="{5B928D1E-68BA-412E-B34A-7160A7263FC7}">
   <ds:schemaRefs>
@@ -18566,14 +18566,6 @@
 </file>
 
 <file path=customXml/itemProps2.xml><?xml version="1.0" encoding="utf-8"?>
-<ds:datastoreItem xmlns:ds="http://schemas.openxmlformats.org/officeDocument/2006/customXml" ds:itemID="{27087C0F-7449-45C4-B248-63D02665BF1F}">
-  <ds:schemaRefs>
-    <ds:schemaRef ds:uri="http://schemas.microsoft.com/sharepoint/v3/contenttype/forms"/>
-  </ds:schemaRefs>
-</ds:datastoreItem>
-</file>
-
-<file path=customXml/itemProps3.xml><?xml version="1.0" encoding="utf-8"?>
 <ds:datastoreItem xmlns:ds="http://schemas.openxmlformats.org/officeDocument/2006/customXml" ds:itemID="{85C77690-A151-43A8-BE2F-E82FED454249}">
   <ds:schemaRefs>
     <ds:schemaRef ds:uri="http://schemas.microsoft.com/office/2006/metadata/contentType"/>
@@ -18590,4 +18582,12 @@
     <ds:schemaRef ds:uri="http://schemas.microsoft.com/internal/obd"/>
   </ds:schemaRefs>
 </ds:datastoreItem>
+</file>
+
+<file path=customXml/itemProps3.xml><?xml version="1.0" encoding="utf-8"?>
+<ds:datastoreItem xmlns:ds="http://schemas.openxmlformats.org/officeDocument/2006/customXml" ds:itemID="{27087C0F-7449-45C4-B248-63D02665BF1F}">
+  <ds:schemaRefs>
+    <ds:schemaRef ds:uri="http://schemas.microsoft.com/sharepoint/v3/contenttype/forms"/>
+  </ds:schemaRefs>
+</ds:datastoreItem>
 </file>